--- a/figs/drawings.pptx
+++ b/figs/drawings.pptx
@@ -6,6 +6,9 @@
   </p:sldMasterIdLst>
   <p:sldIdLst>
     <p:sldId id="256" r:id="rId2"/>
+    <p:sldId id="259" r:id="rId3"/>
+    <p:sldId id="258" r:id="rId4"/>
+    <p:sldId id="257" r:id="rId5"/>
   </p:sldIdLst>
   <p:sldSz cx="12192000" cy="6858000"/>
   <p:notesSz cx="6858000" cy="9144000"/>
@@ -3370,7 +3373,7 @@
         </p:nvSpPr>
         <p:spPr>
           <a:xfrm>
-            <a:off x="2509090" y="1558200"/>
+            <a:off x="2017600" y="1558200"/>
             <a:ext cx="881973" cy="646331"/>
           </a:xfrm>
           <a:prstGeom prst="rect">
@@ -3413,7 +3416,7 @@
         </p:nvSpPr>
         <p:spPr>
           <a:xfrm>
-            <a:off x="2572409" y="2432695"/>
+            <a:off x="2080919" y="2432695"/>
             <a:ext cx="755335" cy="646331"/>
           </a:xfrm>
           <a:prstGeom prst="rect">
@@ -3456,7 +3459,7 @@
         </p:nvSpPr>
         <p:spPr>
           <a:xfrm>
-            <a:off x="1379685" y="712519"/>
+            <a:off x="1151085" y="712519"/>
             <a:ext cx="611065" cy="646331"/>
           </a:xfrm>
           <a:prstGeom prst="rect">
@@ -3499,7 +3502,7 @@
         </p:nvSpPr>
         <p:spPr>
           <a:xfrm>
-            <a:off x="2509090" y="712519"/>
+            <a:off x="2017600" y="712519"/>
             <a:ext cx="881973" cy="646331"/>
           </a:xfrm>
           <a:prstGeom prst="rect">
@@ -3546,7 +3549,7 @@
         <p:spPr>
           <a:xfrm>
             <a:off x="913669" y="1035684"/>
-            <a:ext cx="466016" cy="1"/>
+            <a:ext cx="237416" cy="1"/>
           </a:xfrm>
           <a:prstGeom prst="line">
             <a:avLst/>
@@ -3584,8 +3587,8 @@
         </p:nvCxnSpPr>
         <p:spPr>
           <a:xfrm>
-            <a:off x="1990750" y="1035685"/>
-            <a:ext cx="518340" cy="0"/>
+            <a:off x="1762150" y="1035685"/>
+            <a:ext cx="255450" cy="0"/>
           </a:xfrm>
           <a:prstGeom prst="line">
             <a:avLst/>
@@ -3624,7 +3627,7 @@
         </p:nvCxnSpPr>
         <p:spPr>
           <a:xfrm>
-            <a:off x="2950077" y="1358850"/>
+            <a:off x="2458587" y="1358850"/>
             <a:ext cx="0" cy="199350"/>
           </a:xfrm>
           <a:prstGeom prst="line">
@@ -3664,7 +3667,7 @@
         </p:nvCxnSpPr>
         <p:spPr>
           <a:xfrm>
-            <a:off x="2950077" y="2204531"/>
+            <a:off x="2458587" y="2204531"/>
             <a:ext cx="0" cy="228164"/>
           </a:xfrm>
           <a:prstGeom prst="line">
@@ -3700,7 +3703,7 @@
         </p:nvSpPr>
         <p:spPr>
           <a:xfrm>
-            <a:off x="3899279" y="712519"/>
+            <a:off x="3167759" y="712519"/>
             <a:ext cx="545534" cy="646331"/>
           </a:xfrm>
           <a:prstGeom prst="rect">
@@ -3743,7 +3746,7 @@
         </p:nvSpPr>
         <p:spPr>
           <a:xfrm>
-            <a:off x="3921016" y="1558199"/>
+            <a:off x="3189496" y="1558199"/>
             <a:ext cx="502061" cy="646331"/>
           </a:xfrm>
           <a:prstGeom prst="rect">
@@ -3786,7 +3789,7 @@
         </p:nvSpPr>
         <p:spPr>
           <a:xfrm>
-            <a:off x="3825637" y="2403879"/>
+            <a:off x="3094117" y="2403879"/>
             <a:ext cx="692818" cy="646331"/>
           </a:xfrm>
           <a:prstGeom prst="rect">
@@ -3829,7 +3832,7 @@
         </p:nvSpPr>
         <p:spPr>
           <a:xfrm>
-            <a:off x="3872381" y="3249559"/>
+            <a:off x="3140861" y="3249559"/>
             <a:ext cx="599331" cy="646331"/>
           </a:xfrm>
           <a:prstGeom prst="rect">
@@ -3872,7 +3875,7 @@
         </p:nvSpPr>
         <p:spPr>
           <a:xfrm>
-            <a:off x="3907583" y="4095239"/>
+            <a:off x="3176063" y="4095239"/>
             <a:ext cx="528927" cy="646331"/>
           </a:xfrm>
           <a:prstGeom prst="rect">
@@ -3918,8 +3921,8 @@
         </p:nvCxnSpPr>
         <p:spPr>
           <a:xfrm>
-            <a:off x="3391063" y="1035685"/>
-            <a:ext cx="508216" cy="0"/>
+            <a:off x="2899573" y="1035685"/>
+            <a:ext cx="268186" cy="0"/>
           </a:xfrm>
           <a:prstGeom prst="line">
             <a:avLst/>
@@ -3954,7 +3957,7 @@
         </p:nvCxnSpPr>
         <p:spPr>
           <a:xfrm>
-            <a:off x="4172046" y="1358850"/>
+            <a:off x="3440526" y="1358850"/>
             <a:ext cx="1" cy="199349"/>
           </a:xfrm>
           <a:prstGeom prst="line">
@@ -3990,7 +3993,7 @@
         </p:nvCxnSpPr>
         <p:spPr>
           <a:xfrm flipH="1">
-            <a:off x="4172046" y="2204530"/>
+            <a:off x="3440526" y="2204530"/>
             <a:ext cx="1" cy="199349"/>
           </a:xfrm>
           <a:prstGeom prst="line">
@@ -4026,7 +4029,7 @@
         </p:nvCxnSpPr>
         <p:spPr>
           <a:xfrm>
-            <a:off x="4172046" y="3050210"/>
+            <a:off x="3440526" y="3050210"/>
             <a:ext cx="1" cy="199349"/>
           </a:xfrm>
           <a:prstGeom prst="line">
@@ -4062,7 +4065,7 @@
         </p:nvCxnSpPr>
         <p:spPr>
           <a:xfrm>
-            <a:off x="4172046" y="3895890"/>
+            <a:off x="3440526" y="3895890"/>
             <a:ext cx="0" cy="199349"/>
           </a:xfrm>
           <a:prstGeom prst="line">
@@ -4098,7 +4101,7 @@
         </p:nvSpPr>
         <p:spPr>
           <a:xfrm>
-            <a:off x="3826150" y="4940919"/>
+            <a:off x="3094630" y="4940919"/>
             <a:ext cx="692305" cy="646331"/>
           </a:xfrm>
           <a:prstGeom prst="rect">
@@ -4144,7 +4147,7 @@
         </p:nvCxnSpPr>
         <p:spPr>
           <a:xfrm>
-            <a:off x="4172047" y="4741570"/>
+            <a:off x="3440527" y="4741570"/>
             <a:ext cx="256" cy="199349"/>
           </a:xfrm>
           <a:prstGeom prst="line">
@@ -4180,7 +4183,7 @@
         </p:nvSpPr>
         <p:spPr>
           <a:xfrm>
-            <a:off x="4888105" y="712518"/>
+            <a:off x="3939415" y="712518"/>
             <a:ext cx="561372" cy="646331"/>
           </a:xfrm>
           <a:prstGeom prst="rect">
@@ -4223,7 +4226,7 @@
         </p:nvSpPr>
         <p:spPr>
           <a:xfrm>
-            <a:off x="4862458" y="1558198"/>
+            <a:off x="3913768" y="1558198"/>
             <a:ext cx="612668" cy="646331"/>
           </a:xfrm>
           <a:prstGeom prst="rect">
@@ -4266,7 +4269,7 @@
         </p:nvSpPr>
         <p:spPr>
           <a:xfrm>
-            <a:off x="4888105" y="2403878"/>
+            <a:off x="3939415" y="2403878"/>
             <a:ext cx="561371" cy="646331"/>
           </a:xfrm>
           <a:prstGeom prst="rect">
@@ -4309,7 +4312,7 @@
         </p:nvSpPr>
         <p:spPr>
           <a:xfrm>
-            <a:off x="4888104" y="3249558"/>
+            <a:off x="3939414" y="3249558"/>
             <a:ext cx="561371" cy="646331"/>
           </a:xfrm>
           <a:prstGeom prst="rect">
@@ -4352,7 +4355,7 @@
         </p:nvCxnSpPr>
         <p:spPr>
           <a:xfrm>
-            <a:off x="5168791" y="1358849"/>
+            <a:off x="4220101" y="1358849"/>
             <a:ext cx="1" cy="199349"/>
           </a:xfrm>
           <a:prstGeom prst="line">
@@ -4388,7 +4391,7 @@
         </p:nvCxnSpPr>
         <p:spPr>
           <a:xfrm flipH="1">
-            <a:off x="5168791" y="2204529"/>
+            <a:off x="4220101" y="2204529"/>
             <a:ext cx="1" cy="199349"/>
           </a:xfrm>
           <a:prstGeom prst="line">
@@ -4424,7 +4427,7 @@
         </p:nvCxnSpPr>
         <p:spPr>
           <a:xfrm>
-            <a:off x="5168791" y="3050209"/>
+            <a:off x="4220101" y="3050209"/>
             <a:ext cx="1" cy="199349"/>
           </a:xfrm>
           <a:prstGeom prst="line">
@@ -4460,7 +4463,7 @@
         </p:nvSpPr>
         <p:spPr>
           <a:xfrm>
-            <a:off x="5833539" y="712518"/>
+            <a:off x="4652813" y="712518"/>
             <a:ext cx="561372" cy="646331"/>
           </a:xfrm>
           <a:prstGeom prst="rect">
@@ -4503,7 +4506,7 @@
         </p:nvSpPr>
         <p:spPr>
           <a:xfrm>
-            <a:off x="5807892" y="1558198"/>
+            <a:off x="5445058" y="4940916"/>
             <a:ext cx="612668" cy="646331"/>
           </a:xfrm>
           <a:prstGeom prst="rect">
@@ -4546,7 +4549,7 @@
         </p:nvSpPr>
         <p:spPr>
           <a:xfrm>
-            <a:off x="5833539" y="2403878"/>
+            <a:off x="4652814" y="2403878"/>
             <a:ext cx="561371" cy="646331"/>
           </a:xfrm>
           <a:prstGeom prst="rect">
@@ -4589,7 +4592,7 @@
         </p:nvSpPr>
         <p:spPr>
           <a:xfrm>
-            <a:off x="5833538" y="3249558"/>
+            <a:off x="4652814" y="3249558"/>
             <a:ext cx="561371" cy="646331"/>
           </a:xfrm>
           <a:prstGeom prst="rect">
@@ -4632,7 +4635,7 @@
         </p:nvCxnSpPr>
         <p:spPr>
           <a:xfrm>
-            <a:off x="6035119" y="1358849"/>
+            <a:off x="4933499" y="1358849"/>
             <a:ext cx="1" cy="199349"/>
           </a:xfrm>
           <a:prstGeom prst="line">
@@ -4668,7 +4671,7 @@
         </p:nvCxnSpPr>
         <p:spPr>
           <a:xfrm flipH="1">
-            <a:off x="6035119" y="2204529"/>
+            <a:off x="4933499" y="2204529"/>
             <a:ext cx="1" cy="199349"/>
           </a:xfrm>
           <a:prstGeom prst="line">
@@ -4704,7 +4707,7 @@
         </p:nvCxnSpPr>
         <p:spPr>
           <a:xfrm>
-            <a:off x="6035119" y="3050209"/>
+            <a:off x="4933499" y="3050209"/>
             <a:ext cx="1" cy="199349"/>
           </a:xfrm>
           <a:prstGeom prst="line">
@@ -4736,6 +4739,7 @@
             </a:extLst>
           </p:cNvPr>
           <p:cNvCxnSpPr>
+            <a:cxnSpLocks/>
             <a:stCxn id="19" idx="3"/>
             <a:endCxn id="38" idx="1"/>
           </p:cNvCxnSpPr>
@@ -4743,8 +4747,8 @@
         </p:nvCxnSpPr>
         <p:spPr>
           <a:xfrm flipV="1">
-            <a:off x="4444813" y="1035684"/>
-            <a:ext cx="443292" cy="1"/>
+            <a:off x="3713293" y="1035684"/>
+            <a:ext cx="226122" cy="1"/>
           </a:xfrm>
           <a:prstGeom prst="line">
             <a:avLst/>
@@ -4775,15 +4779,1366 @@
             </a:extLst>
           </p:cNvPr>
           <p:cNvCxnSpPr>
-            <a:stCxn id="38" idx="3"/>
-            <a:endCxn id="49" idx="1"/>
+            <a:cxnSpLocks/>
           </p:cNvCxnSpPr>
           <p:nvPr/>
         </p:nvCxnSpPr>
         <p:spPr>
           <a:xfrm>
-            <a:off x="5449477" y="1035684"/>
-            <a:ext cx="384062" cy="0"/>
+            <a:off x="4463553" y="1035684"/>
+            <a:ext cx="254093" cy="0"/>
+          </a:xfrm>
+          <a:prstGeom prst="line">
+            <a:avLst/>
+          </a:prstGeom>
+        </p:spPr>
+        <p:style>
+          <a:lnRef idx="1">
+            <a:schemeClr val="accent1"/>
+          </a:lnRef>
+          <a:fillRef idx="0">
+            <a:schemeClr val="accent1"/>
+          </a:fillRef>
+          <a:effectRef idx="0">
+            <a:schemeClr val="accent1"/>
+          </a:effectRef>
+          <a:fontRef idx="minor">
+            <a:schemeClr val="tx1"/>
+          </a:fontRef>
+        </p:style>
+      </p:cxnSp>
+      <p:sp>
+        <p:nvSpPr>
+          <p:cNvPr id="60" name="TextBox 59">
+            <a:extLst>
+              <a:ext uri="{FF2B5EF4-FFF2-40B4-BE49-F238E27FC236}">
+                <a16:creationId xmlns:a16="http://schemas.microsoft.com/office/drawing/2014/main" id="{62A19214-DDB9-D44B-8EA3-4249B46AC799}"/>
+              </a:ext>
+            </a:extLst>
+          </p:cNvPr>
+          <p:cNvSpPr txBox="1"/>
+          <p:nvPr/>
+        </p:nvSpPr>
+        <p:spPr>
+          <a:xfrm>
+            <a:off x="5451727" y="712518"/>
+            <a:ext cx="599331" cy="646331"/>
+          </a:xfrm>
+          <a:prstGeom prst="rect">
+            <a:avLst/>
+          </a:prstGeom>
+          <a:noFill/>
+        </p:spPr>
+        <p:txBody>
+          <a:bodyPr wrap="none" rtlCol="0">
+            <a:spAutoFit/>
+          </a:bodyPr>
+          <a:lstStyle/>
+          <a:p>
+            <a:pPr algn="ctr"/>
+            <a:r>
+              <a:rPr lang="en-US" dirty="0"/>
+              <a:t>Proc</a:t>
+            </a:r>
+          </a:p>
+          <a:p>
+            <a:pPr algn="ctr"/>
+            <a:r>
+              <a:rPr lang="en-US" dirty="0"/>
+              <a:t>data</a:t>
+            </a:r>
+          </a:p>
+        </p:txBody>
+      </p:sp>
+      <p:sp>
+        <p:nvSpPr>
+          <p:cNvPr id="61" name="TextBox 60">
+            <a:extLst>
+              <a:ext uri="{FF2B5EF4-FFF2-40B4-BE49-F238E27FC236}">
+                <a16:creationId xmlns:a16="http://schemas.microsoft.com/office/drawing/2014/main" id="{FFDD76B8-A872-B544-A1DF-BEAB9A738EB1}"/>
+              </a:ext>
+            </a:extLst>
+          </p:cNvPr>
+          <p:cNvSpPr txBox="1"/>
+          <p:nvPr/>
+        </p:nvSpPr>
+        <p:spPr>
+          <a:xfrm>
+            <a:off x="5428226" y="1696697"/>
+            <a:ext cx="646332" cy="369332"/>
+          </a:xfrm>
+          <a:prstGeom prst="rect">
+            <a:avLst/>
+          </a:prstGeom>
+          <a:noFill/>
+        </p:spPr>
+        <p:txBody>
+          <a:bodyPr wrap="none" rtlCol="0">
+            <a:spAutoFit/>
+          </a:bodyPr>
+          <a:lstStyle/>
+          <a:p>
+            <a:pPr algn="ctr"/>
+            <a:r>
+              <a:rPr lang="en-US" dirty="0"/>
+              <a:t>Rank</a:t>
+            </a:r>
+          </a:p>
+        </p:txBody>
+      </p:sp>
+      <p:sp>
+        <p:nvSpPr>
+          <p:cNvPr id="62" name="TextBox 61">
+            <a:extLst>
+              <a:ext uri="{FF2B5EF4-FFF2-40B4-BE49-F238E27FC236}">
+                <a16:creationId xmlns:a16="http://schemas.microsoft.com/office/drawing/2014/main" id="{A48B029F-CDC6-5C4F-A940-90C104B226ED}"/>
+              </a:ext>
+            </a:extLst>
+          </p:cNvPr>
+          <p:cNvSpPr txBox="1"/>
+          <p:nvPr/>
+        </p:nvSpPr>
+        <p:spPr>
+          <a:xfrm>
+            <a:off x="5419571" y="2403878"/>
+            <a:ext cx="663643" cy="646331"/>
+          </a:xfrm>
+          <a:prstGeom prst="rect">
+            <a:avLst/>
+          </a:prstGeom>
+          <a:noFill/>
+        </p:spPr>
+        <p:txBody>
+          <a:bodyPr wrap="none" rtlCol="0">
+            <a:spAutoFit/>
+          </a:bodyPr>
+          <a:lstStyle/>
+          <a:p>
+            <a:r>
+              <a:rPr lang="en-US" dirty="0"/>
+              <a:t>Local</a:t>
+            </a:r>
+          </a:p>
+          <a:p>
+            <a:pPr algn="ctr"/>
+            <a:r>
+              <a:rPr lang="en-US" dirty="0"/>
+              <a:t>rank</a:t>
+            </a:r>
+          </a:p>
+        </p:txBody>
+      </p:sp>
+      <p:sp>
+        <p:nvSpPr>
+          <p:cNvPr id="63" name="TextBox 62">
+            <a:extLst>
+              <a:ext uri="{FF2B5EF4-FFF2-40B4-BE49-F238E27FC236}">
+                <a16:creationId xmlns:a16="http://schemas.microsoft.com/office/drawing/2014/main" id="{79FD4E88-2A50-DF47-A743-AFAA1A91BBFF}"/>
+              </a:ext>
+            </a:extLst>
+          </p:cNvPr>
+          <p:cNvSpPr txBox="1"/>
+          <p:nvPr/>
+        </p:nvSpPr>
+        <p:spPr>
+          <a:xfrm>
+            <a:off x="5404983" y="3249558"/>
+            <a:ext cx="692818" cy="646331"/>
+          </a:xfrm>
+          <a:prstGeom prst="rect">
+            <a:avLst/>
+          </a:prstGeom>
+          <a:noFill/>
+        </p:spPr>
+        <p:txBody>
+          <a:bodyPr wrap="none" rtlCol="0">
+            <a:spAutoFit/>
+          </a:bodyPr>
+          <a:lstStyle/>
+          <a:p>
+            <a:pPr algn="ctr"/>
+            <a:r>
+              <a:rPr lang="en-US" dirty="0"/>
+              <a:t>Node</a:t>
+            </a:r>
+          </a:p>
+          <a:p>
+            <a:pPr algn="ctr"/>
+            <a:r>
+              <a:rPr lang="en-US" dirty="0"/>
+              <a:t>rank</a:t>
+            </a:r>
+          </a:p>
+        </p:txBody>
+      </p:sp>
+      <p:cxnSp>
+        <p:nvCxnSpPr>
+          <p:cNvPr id="64" name="Straight Connector 63">
+            <a:extLst>
+              <a:ext uri="{FF2B5EF4-FFF2-40B4-BE49-F238E27FC236}">
+                <a16:creationId xmlns:a16="http://schemas.microsoft.com/office/drawing/2014/main" id="{74E8F246-1F8A-904B-80E7-158023549607}"/>
+              </a:ext>
+            </a:extLst>
+          </p:cNvPr>
+          <p:cNvCxnSpPr/>
+          <p:nvPr/>
+        </p:nvCxnSpPr>
+        <p:spPr>
+          <a:xfrm>
+            <a:off x="5751392" y="1358849"/>
+            <a:ext cx="1" cy="199349"/>
+          </a:xfrm>
+          <a:prstGeom prst="line">
+            <a:avLst/>
+          </a:prstGeom>
+        </p:spPr>
+        <p:style>
+          <a:lnRef idx="1">
+            <a:schemeClr val="accent1"/>
+          </a:lnRef>
+          <a:fillRef idx="0">
+            <a:schemeClr val="accent1"/>
+          </a:fillRef>
+          <a:effectRef idx="0">
+            <a:schemeClr val="accent1"/>
+          </a:effectRef>
+          <a:fontRef idx="minor">
+            <a:schemeClr val="tx1"/>
+          </a:fontRef>
+        </p:style>
+      </p:cxnSp>
+      <p:cxnSp>
+        <p:nvCxnSpPr>
+          <p:cNvPr id="65" name="Straight Connector 64">
+            <a:extLst>
+              <a:ext uri="{FF2B5EF4-FFF2-40B4-BE49-F238E27FC236}">
+                <a16:creationId xmlns:a16="http://schemas.microsoft.com/office/drawing/2014/main" id="{377F01F5-6EC2-B546-A3B3-1DDBE770A1B5}"/>
+              </a:ext>
+            </a:extLst>
+          </p:cNvPr>
+          <p:cNvCxnSpPr/>
+          <p:nvPr/>
+        </p:nvCxnSpPr>
+        <p:spPr>
+          <a:xfrm flipH="1">
+            <a:off x="5751392" y="2204529"/>
+            <a:ext cx="1" cy="199349"/>
+          </a:xfrm>
+          <a:prstGeom prst="line">
+            <a:avLst/>
+          </a:prstGeom>
+        </p:spPr>
+        <p:style>
+          <a:lnRef idx="1">
+            <a:schemeClr val="accent1"/>
+          </a:lnRef>
+          <a:fillRef idx="0">
+            <a:schemeClr val="accent1"/>
+          </a:fillRef>
+          <a:effectRef idx="0">
+            <a:schemeClr val="accent1"/>
+          </a:effectRef>
+          <a:fontRef idx="minor">
+            <a:schemeClr val="tx1"/>
+          </a:fontRef>
+        </p:style>
+      </p:cxnSp>
+      <p:cxnSp>
+        <p:nvCxnSpPr>
+          <p:cNvPr id="66" name="Straight Connector 65">
+            <a:extLst>
+              <a:ext uri="{FF2B5EF4-FFF2-40B4-BE49-F238E27FC236}">
+                <a16:creationId xmlns:a16="http://schemas.microsoft.com/office/drawing/2014/main" id="{D3CB4E89-F368-A04C-9623-6A6BC4991DEE}"/>
+              </a:ext>
+            </a:extLst>
+          </p:cNvPr>
+          <p:cNvCxnSpPr/>
+          <p:nvPr/>
+        </p:nvCxnSpPr>
+        <p:spPr>
+          <a:xfrm>
+            <a:off x="5751392" y="3050209"/>
+            <a:ext cx="1" cy="199349"/>
+          </a:xfrm>
+          <a:prstGeom prst="line">
+            <a:avLst/>
+          </a:prstGeom>
+        </p:spPr>
+        <p:style>
+          <a:lnRef idx="1">
+            <a:schemeClr val="accent1"/>
+          </a:lnRef>
+          <a:fillRef idx="0">
+            <a:schemeClr val="accent1"/>
+          </a:fillRef>
+          <a:effectRef idx="0">
+            <a:schemeClr val="accent1"/>
+          </a:effectRef>
+          <a:fontRef idx="minor">
+            <a:schemeClr val="tx1"/>
+          </a:fontRef>
+        </p:style>
+      </p:cxnSp>
+      <p:sp>
+        <p:nvSpPr>
+          <p:cNvPr id="67" name="TextBox 66">
+            <a:extLst>
+              <a:ext uri="{FF2B5EF4-FFF2-40B4-BE49-F238E27FC236}">
+                <a16:creationId xmlns:a16="http://schemas.microsoft.com/office/drawing/2014/main" id="{4A9B3D7D-28A7-F84C-A301-F36EC557B2EC}"/>
+              </a:ext>
+            </a:extLst>
+          </p:cNvPr>
+          <p:cNvSpPr txBox="1"/>
+          <p:nvPr/>
+        </p:nvSpPr>
+        <p:spPr>
+          <a:xfrm>
+            <a:off x="5404983" y="4095238"/>
+            <a:ext cx="692818" cy="646331"/>
+          </a:xfrm>
+          <a:prstGeom prst="rect">
+            <a:avLst/>
+          </a:prstGeom>
+          <a:noFill/>
+        </p:spPr>
+        <p:txBody>
+          <a:bodyPr wrap="none" rtlCol="0">
+            <a:spAutoFit/>
+          </a:bodyPr>
+          <a:lstStyle/>
+          <a:p>
+            <a:pPr algn="ctr"/>
+            <a:r>
+              <a:rPr lang="en-US" dirty="0"/>
+              <a:t>Node</a:t>
+            </a:r>
+          </a:p>
+          <a:p>
+            <a:pPr algn="ctr"/>
+            <a:r>
+              <a:rPr lang="en-US" dirty="0"/>
+              <a:t>ID</a:t>
+            </a:r>
+          </a:p>
+        </p:txBody>
+      </p:sp>
+      <p:cxnSp>
+        <p:nvCxnSpPr>
+          <p:cNvPr id="69" name="Straight Connector 68">
+            <a:extLst>
+              <a:ext uri="{FF2B5EF4-FFF2-40B4-BE49-F238E27FC236}">
+                <a16:creationId xmlns:a16="http://schemas.microsoft.com/office/drawing/2014/main" id="{1ED66996-2B56-A842-BD26-C327605089B4}"/>
+              </a:ext>
+            </a:extLst>
+          </p:cNvPr>
+          <p:cNvCxnSpPr/>
+          <p:nvPr/>
+        </p:nvCxnSpPr>
+        <p:spPr>
+          <a:xfrm>
+            <a:off x="5751392" y="3895889"/>
+            <a:ext cx="0" cy="199349"/>
+          </a:xfrm>
+          <a:prstGeom prst="line">
+            <a:avLst/>
+          </a:prstGeom>
+        </p:spPr>
+        <p:style>
+          <a:lnRef idx="1">
+            <a:schemeClr val="accent1"/>
+          </a:lnRef>
+          <a:fillRef idx="0">
+            <a:schemeClr val="accent1"/>
+          </a:fillRef>
+          <a:effectRef idx="0">
+            <a:schemeClr val="accent1"/>
+          </a:effectRef>
+          <a:fontRef idx="minor">
+            <a:schemeClr val="tx1"/>
+          </a:fontRef>
+        </p:style>
+      </p:cxnSp>
+      <p:sp>
+        <p:nvSpPr>
+          <p:cNvPr id="75" name="TextBox 74">
+            <a:extLst>
+              <a:ext uri="{FF2B5EF4-FFF2-40B4-BE49-F238E27FC236}">
+                <a16:creationId xmlns:a16="http://schemas.microsoft.com/office/drawing/2014/main" id="{4A342577-CFD8-454C-AE7A-D909C51FEE91}"/>
+              </a:ext>
+            </a:extLst>
+          </p:cNvPr>
+          <p:cNvSpPr txBox="1"/>
+          <p:nvPr/>
+        </p:nvSpPr>
+        <p:spPr>
+          <a:xfrm>
+            <a:off x="6296594" y="712518"/>
+            <a:ext cx="599331" cy="646331"/>
+          </a:xfrm>
+          <a:prstGeom prst="rect">
+            <a:avLst/>
+          </a:prstGeom>
+          <a:noFill/>
+        </p:spPr>
+        <p:txBody>
+          <a:bodyPr wrap="none" rtlCol="0">
+            <a:spAutoFit/>
+          </a:bodyPr>
+          <a:lstStyle/>
+          <a:p>
+            <a:pPr algn="ctr"/>
+            <a:r>
+              <a:rPr lang="en-US" dirty="0"/>
+              <a:t>Proc</a:t>
+            </a:r>
+          </a:p>
+          <a:p>
+            <a:pPr algn="ctr"/>
+            <a:r>
+              <a:rPr lang="en-US" dirty="0"/>
+              <a:t>data</a:t>
+            </a:r>
+          </a:p>
+        </p:txBody>
+      </p:sp>
+      <p:sp>
+        <p:nvSpPr>
+          <p:cNvPr id="76" name="TextBox 75">
+            <a:extLst>
+              <a:ext uri="{FF2B5EF4-FFF2-40B4-BE49-F238E27FC236}">
+                <a16:creationId xmlns:a16="http://schemas.microsoft.com/office/drawing/2014/main" id="{B634D407-5EA6-2E47-9CAC-AB1365D9AF29}"/>
+              </a:ext>
+            </a:extLst>
+          </p:cNvPr>
+          <p:cNvSpPr txBox="1"/>
+          <p:nvPr/>
+        </p:nvSpPr>
+        <p:spPr>
+          <a:xfrm>
+            <a:off x="6273093" y="1696697"/>
+            <a:ext cx="646332" cy="369332"/>
+          </a:xfrm>
+          <a:prstGeom prst="rect">
+            <a:avLst/>
+          </a:prstGeom>
+          <a:noFill/>
+        </p:spPr>
+        <p:txBody>
+          <a:bodyPr wrap="none" rtlCol="0">
+            <a:spAutoFit/>
+          </a:bodyPr>
+          <a:lstStyle/>
+          <a:p>
+            <a:pPr algn="ctr"/>
+            <a:r>
+              <a:rPr lang="en-US" dirty="0"/>
+              <a:t>Rank</a:t>
+            </a:r>
+          </a:p>
+        </p:txBody>
+      </p:sp>
+      <p:sp>
+        <p:nvSpPr>
+          <p:cNvPr id="77" name="TextBox 76">
+            <a:extLst>
+              <a:ext uri="{FF2B5EF4-FFF2-40B4-BE49-F238E27FC236}">
+                <a16:creationId xmlns:a16="http://schemas.microsoft.com/office/drawing/2014/main" id="{5A20C28E-4AFB-CD42-9188-A70FE00B9C7B}"/>
+              </a:ext>
+            </a:extLst>
+          </p:cNvPr>
+          <p:cNvSpPr txBox="1"/>
+          <p:nvPr/>
+        </p:nvSpPr>
+        <p:spPr>
+          <a:xfrm>
+            <a:off x="6264438" y="2403878"/>
+            <a:ext cx="663643" cy="646331"/>
+          </a:xfrm>
+          <a:prstGeom prst="rect">
+            <a:avLst/>
+          </a:prstGeom>
+          <a:noFill/>
+        </p:spPr>
+        <p:txBody>
+          <a:bodyPr wrap="none" rtlCol="0">
+            <a:spAutoFit/>
+          </a:bodyPr>
+          <a:lstStyle/>
+          <a:p>
+            <a:r>
+              <a:rPr lang="en-US" dirty="0"/>
+              <a:t>Local</a:t>
+            </a:r>
+          </a:p>
+          <a:p>
+            <a:pPr algn="ctr"/>
+            <a:r>
+              <a:rPr lang="en-US" dirty="0"/>
+              <a:t>rank</a:t>
+            </a:r>
+          </a:p>
+        </p:txBody>
+      </p:sp>
+      <p:sp>
+        <p:nvSpPr>
+          <p:cNvPr id="78" name="TextBox 77">
+            <a:extLst>
+              <a:ext uri="{FF2B5EF4-FFF2-40B4-BE49-F238E27FC236}">
+                <a16:creationId xmlns:a16="http://schemas.microsoft.com/office/drawing/2014/main" id="{6CEA9C1A-E1F6-3049-98A9-FD2FB905D02E}"/>
+              </a:ext>
+            </a:extLst>
+          </p:cNvPr>
+          <p:cNvSpPr txBox="1"/>
+          <p:nvPr/>
+        </p:nvSpPr>
+        <p:spPr>
+          <a:xfrm>
+            <a:off x="6249850" y="3249558"/>
+            <a:ext cx="692818" cy="646331"/>
+          </a:xfrm>
+          <a:prstGeom prst="rect">
+            <a:avLst/>
+          </a:prstGeom>
+          <a:noFill/>
+        </p:spPr>
+        <p:txBody>
+          <a:bodyPr wrap="none" rtlCol="0">
+            <a:spAutoFit/>
+          </a:bodyPr>
+          <a:lstStyle/>
+          <a:p>
+            <a:pPr algn="ctr"/>
+            <a:r>
+              <a:rPr lang="en-US" dirty="0"/>
+              <a:t>Node</a:t>
+            </a:r>
+          </a:p>
+          <a:p>
+            <a:pPr algn="ctr"/>
+            <a:r>
+              <a:rPr lang="en-US" dirty="0"/>
+              <a:t>rank</a:t>
+            </a:r>
+          </a:p>
+        </p:txBody>
+      </p:sp>
+      <p:cxnSp>
+        <p:nvCxnSpPr>
+          <p:cNvPr id="79" name="Straight Connector 78">
+            <a:extLst>
+              <a:ext uri="{FF2B5EF4-FFF2-40B4-BE49-F238E27FC236}">
+                <a16:creationId xmlns:a16="http://schemas.microsoft.com/office/drawing/2014/main" id="{B4C369BD-FAFD-FC43-9EEF-FDD99CEA84A4}"/>
+              </a:ext>
+            </a:extLst>
+          </p:cNvPr>
+          <p:cNvCxnSpPr/>
+          <p:nvPr/>
+        </p:nvCxnSpPr>
+        <p:spPr>
+          <a:xfrm>
+            <a:off x="6596259" y="1358849"/>
+            <a:ext cx="1" cy="199349"/>
+          </a:xfrm>
+          <a:prstGeom prst="line">
+            <a:avLst/>
+          </a:prstGeom>
+        </p:spPr>
+        <p:style>
+          <a:lnRef idx="1">
+            <a:schemeClr val="accent1"/>
+          </a:lnRef>
+          <a:fillRef idx="0">
+            <a:schemeClr val="accent1"/>
+          </a:fillRef>
+          <a:effectRef idx="0">
+            <a:schemeClr val="accent1"/>
+          </a:effectRef>
+          <a:fontRef idx="minor">
+            <a:schemeClr val="tx1"/>
+          </a:fontRef>
+        </p:style>
+      </p:cxnSp>
+      <p:cxnSp>
+        <p:nvCxnSpPr>
+          <p:cNvPr id="80" name="Straight Connector 79">
+            <a:extLst>
+              <a:ext uri="{FF2B5EF4-FFF2-40B4-BE49-F238E27FC236}">
+                <a16:creationId xmlns:a16="http://schemas.microsoft.com/office/drawing/2014/main" id="{54EC3F33-DA39-884C-870C-3E44DDB20386}"/>
+              </a:ext>
+            </a:extLst>
+          </p:cNvPr>
+          <p:cNvCxnSpPr/>
+          <p:nvPr/>
+        </p:nvCxnSpPr>
+        <p:spPr>
+          <a:xfrm flipH="1">
+            <a:off x="6596259" y="2204529"/>
+            <a:ext cx="1" cy="199349"/>
+          </a:xfrm>
+          <a:prstGeom prst="line">
+            <a:avLst/>
+          </a:prstGeom>
+        </p:spPr>
+        <p:style>
+          <a:lnRef idx="1">
+            <a:schemeClr val="accent1"/>
+          </a:lnRef>
+          <a:fillRef idx="0">
+            <a:schemeClr val="accent1"/>
+          </a:fillRef>
+          <a:effectRef idx="0">
+            <a:schemeClr val="accent1"/>
+          </a:effectRef>
+          <a:fontRef idx="minor">
+            <a:schemeClr val="tx1"/>
+          </a:fontRef>
+        </p:style>
+      </p:cxnSp>
+      <p:cxnSp>
+        <p:nvCxnSpPr>
+          <p:cNvPr id="81" name="Straight Connector 80">
+            <a:extLst>
+              <a:ext uri="{FF2B5EF4-FFF2-40B4-BE49-F238E27FC236}">
+                <a16:creationId xmlns:a16="http://schemas.microsoft.com/office/drawing/2014/main" id="{65F6DAA8-B3F2-B141-BC95-6F0B73B85BC4}"/>
+              </a:ext>
+            </a:extLst>
+          </p:cNvPr>
+          <p:cNvCxnSpPr/>
+          <p:nvPr/>
+        </p:nvCxnSpPr>
+        <p:spPr>
+          <a:xfrm>
+            <a:off x="6596259" y="3050209"/>
+            <a:ext cx="1" cy="199349"/>
+          </a:xfrm>
+          <a:prstGeom prst="line">
+            <a:avLst/>
+          </a:prstGeom>
+        </p:spPr>
+        <p:style>
+          <a:lnRef idx="1">
+            <a:schemeClr val="accent1"/>
+          </a:lnRef>
+          <a:fillRef idx="0">
+            <a:schemeClr val="accent1"/>
+          </a:fillRef>
+          <a:effectRef idx="0">
+            <a:schemeClr val="accent1"/>
+          </a:effectRef>
+          <a:fontRef idx="minor">
+            <a:schemeClr val="tx1"/>
+          </a:fontRef>
+        </p:style>
+      </p:cxnSp>
+      <p:sp>
+        <p:nvSpPr>
+          <p:cNvPr id="82" name="TextBox 81">
+            <a:extLst>
+              <a:ext uri="{FF2B5EF4-FFF2-40B4-BE49-F238E27FC236}">
+                <a16:creationId xmlns:a16="http://schemas.microsoft.com/office/drawing/2014/main" id="{8AAC0D2A-D35F-284E-A6A3-79EC0A2E0BC9}"/>
+              </a:ext>
+            </a:extLst>
+          </p:cNvPr>
+          <p:cNvSpPr txBox="1"/>
+          <p:nvPr/>
+        </p:nvSpPr>
+        <p:spPr>
+          <a:xfrm>
+            <a:off x="6249850" y="4095238"/>
+            <a:ext cx="692818" cy="646331"/>
+          </a:xfrm>
+          <a:prstGeom prst="rect">
+            <a:avLst/>
+          </a:prstGeom>
+          <a:noFill/>
+        </p:spPr>
+        <p:txBody>
+          <a:bodyPr wrap="none" rtlCol="0">
+            <a:spAutoFit/>
+          </a:bodyPr>
+          <a:lstStyle/>
+          <a:p>
+            <a:pPr algn="ctr"/>
+            <a:r>
+              <a:rPr lang="en-US" dirty="0"/>
+              <a:t>Node</a:t>
+            </a:r>
+          </a:p>
+          <a:p>
+            <a:pPr algn="ctr"/>
+            <a:r>
+              <a:rPr lang="en-US" dirty="0"/>
+              <a:t>ID</a:t>
+            </a:r>
+          </a:p>
+        </p:txBody>
+      </p:sp>
+      <p:cxnSp>
+        <p:nvCxnSpPr>
+          <p:cNvPr id="83" name="Straight Connector 82">
+            <a:extLst>
+              <a:ext uri="{FF2B5EF4-FFF2-40B4-BE49-F238E27FC236}">
+                <a16:creationId xmlns:a16="http://schemas.microsoft.com/office/drawing/2014/main" id="{6EB5D8C6-469A-2847-85FA-512C5286FD7D}"/>
+              </a:ext>
+            </a:extLst>
+          </p:cNvPr>
+          <p:cNvCxnSpPr/>
+          <p:nvPr/>
+        </p:nvCxnSpPr>
+        <p:spPr>
+          <a:xfrm>
+            <a:off x="6596259" y="3895889"/>
+            <a:ext cx="0" cy="199349"/>
+          </a:xfrm>
+          <a:prstGeom prst="line">
+            <a:avLst/>
+          </a:prstGeom>
+        </p:spPr>
+        <p:style>
+          <a:lnRef idx="1">
+            <a:schemeClr val="accent1"/>
+          </a:lnRef>
+          <a:fillRef idx="0">
+            <a:schemeClr val="accent1"/>
+          </a:fillRef>
+          <a:effectRef idx="0">
+            <a:schemeClr val="accent1"/>
+          </a:effectRef>
+          <a:fontRef idx="minor">
+            <a:schemeClr val="tx1"/>
+          </a:fontRef>
+        </p:style>
+      </p:cxnSp>
+      <p:sp>
+        <p:nvSpPr>
+          <p:cNvPr id="86" name="TextBox 85">
+            <a:extLst>
+              <a:ext uri="{FF2B5EF4-FFF2-40B4-BE49-F238E27FC236}">
+                <a16:creationId xmlns:a16="http://schemas.microsoft.com/office/drawing/2014/main" id="{9002B021-64D9-C147-8D04-0E6FCC6091D6}"/>
+              </a:ext>
+            </a:extLst>
+          </p:cNvPr>
+          <p:cNvSpPr txBox="1"/>
+          <p:nvPr/>
+        </p:nvSpPr>
+        <p:spPr>
+          <a:xfrm>
+            <a:off x="4627165" y="1540179"/>
+            <a:ext cx="612668" cy="646331"/>
+          </a:xfrm>
+          <a:prstGeom prst="rect">
+            <a:avLst/>
+          </a:prstGeom>
+          <a:noFill/>
+        </p:spPr>
+        <p:txBody>
+          <a:bodyPr wrap="none" rtlCol="0">
+            <a:spAutoFit/>
+          </a:bodyPr>
+          <a:lstStyle/>
+          <a:p>
+            <a:pPr algn="ctr"/>
+            <a:r>
+              <a:rPr lang="en-US" dirty="0"/>
+              <a:t>App</a:t>
+            </a:r>
+          </a:p>
+          <a:p>
+            <a:pPr algn="ctr"/>
+            <a:r>
+              <a:rPr lang="en-US" dirty="0"/>
+              <a:t>num</a:t>
+            </a:r>
+          </a:p>
+        </p:txBody>
+      </p:sp>
+      <p:sp>
+        <p:nvSpPr>
+          <p:cNvPr id="87" name="TextBox 86">
+            <a:extLst>
+              <a:ext uri="{FF2B5EF4-FFF2-40B4-BE49-F238E27FC236}">
+                <a16:creationId xmlns:a16="http://schemas.microsoft.com/office/drawing/2014/main" id="{5C023A20-2E89-3441-9C21-496202A9E368}"/>
+              </a:ext>
+            </a:extLst>
+          </p:cNvPr>
+          <p:cNvSpPr txBox="1"/>
+          <p:nvPr/>
+        </p:nvSpPr>
+        <p:spPr>
+          <a:xfrm>
+            <a:off x="6289925" y="4940915"/>
+            <a:ext cx="612668" cy="646331"/>
+          </a:xfrm>
+          <a:prstGeom prst="rect">
+            <a:avLst/>
+          </a:prstGeom>
+          <a:noFill/>
+        </p:spPr>
+        <p:txBody>
+          <a:bodyPr wrap="none" rtlCol="0">
+            <a:spAutoFit/>
+          </a:bodyPr>
+          <a:lstStyle/>
+          <a:p>
+            <a:pPr algn="ctr"/>
+            <a:r>
+              <a:rPr lang="en-US" dirty="0"/>
+              <a:t>App</a:t>
+            </a:r>
+          </a:p>
+          <a:p>
+            <a:pPr algn="ctr"/>
+            <a:r>
+              <a:rPr lang="en-US" dirty="0"/>
+              <a:t>num</a:t>
+            </a:r>
+          </a:p>
+        </p:txBody>
+      </p:sp>
+      <p:cxnSp>
+        <p:nvCxnSpPr>
+          <p:cNvPr id="89" name="Straight Connector 88">
+            <a:extLst>
+              <a:ext uri="{FF2B5EF4-FFF2-40B4-BE49-F238E27FC236}">
+                <a16:creationId xmlns:a16="http://schemas.microsoft.com/office/drawing/2014/main" id="{F1ED18F2-5E96-2D41-BD19-E2F56833BBCE}"/>
+              </a:ext>
+            </a:extLst>
+          </p:cNvPr>
+          <p:cNvCxnSpPr>
+            <a:stCxn id="67" idx="2"/>
+            <a:endCxn id="50" idx="0"/>
+          </p:cNvCxnSpPr>
+          <p:nvPr/>
+        </p:nvCxnSpPr>
+        <p:spPr>
+          <a:xfrm>
+            <a:off x="5751392" y="4741569"/>
+            <a:ext cx="0" cy="199347"/>
+          </a:xfrm>
+          <a:prstGeom prst="line">
+            <a:avLst/>
+          </a:prstGeom>
+        </p:spPr>
+        <p:style>
+          <a:lnRef idx="1">
+            <a:schemeClr val="accent1"/>
+          </a:lnRef>
+          <a:fillRef idx="0">
+            <a:schemeClr val="accent1"/>
+          </a:fillRef>
+          <a:effectRef idx="0">
+            <a:schemeClr val="accent1"/>
+          </a:effectRef>
+          <a:fontRef idx="minor">
+            <a:schemeClr val="tx1"/>
+          </a:fontRef>
+        </p:style>
+      </p:cxnSp>
+      <p:cxnSp>
+        <p:nvCxnSpPr>
+          <p:cNvPr id="91" name="Straight Connector 90">
+            <a:extLst>
+              <a:ext uri="{FF2B5EF4-FFF2-40B4-BE49-F238E27FC236}">
+                <a16:creationId xmlns:a16="http://schemas.microsoft.com/office/drawing/2014/main" id="{EE06345D-33F8-8E43-8337-01A3216111C8}"/>
+              </a:ext>
+            </a:extLst>
+          </p:cNvPr>
+          <p:cNvCxnSpPr>
+            <a:stCxn id="82" idx="2"/>
+            <a:endCxn id="87" idx="0"/>
+          </p:cNvCxnSpPr>
+          <p:nvPr/>
+        </p:nvCxnSpPr>
+        <p:spPr>
+          <a:xfrm>
+            <a:off x="6596259" y="4741569"/>
+            <a:ext cx="0" cy="199346"/>
+          </a:xfrm>
+          <a:prstGeom prst="line">
+            <a:avLst/>
+          </a:prstGeom>
+        </p:spPr>
+        <p:style>
+          <a:lnRef idx="1">
+            <a:schemeClr val="accent1"/>
+          </a:lnRef>
+          <a:fillRef idx="0">
+            <a:schemeClr val="accent1"/>
+          </a:fillRef>
+          <a:effectRef idx="0">
+            <a:schemeClr val="accent1"/>
+          </a:effectRef>
+          <a:fontRef idx="minor">
+            <a:schemeClr val="tx1"/>
+          </a:fontRef>
+        </p:style>
+      </p:cxnSp>
+      <p:sp>
+        <p:nvSpPr>
+          <p:cNvPr id="92" name="TextBox 91">
+            <a:extLst>
+              <a:ext uri="{FF2B5EF4-FFF2-40B4-BE49-F238E27FC236}">
+                <a16:creationId xmlns:a16="http://schemas.microsoft.com/office/drawing/2014/main" id="{4E0D321F-5FC9-9D44-A195-591F9962C813}"/>
+              </a:ext>
+            </a:extLst>
+          </p:cNvPr>
+          <p:cNvSpPr txBox="1"/>
+          <p:nvPr/>
+        </p:nvSpPr>
+        <p:spPr>
+          <a:xfrm>
+            <a:off x="5459484" y="5786592"/>
+            <a:ext cx="596702" cy="646331"/>
+          </a:xfrm>
+          <a:prstGeom prst="rect">
+            <a:avLst/>
+          </a:prstGeom>
+          <a:noFill/>
+        </p:spPr>
+        <p:txBody>
+          <a:bodyPr wrap="none" rtlCol="0">
+            <a:spAutoFit/>
+          </a:bodyPr>
+          <a:lstStyle/>
+          <a:p>
+            <a:pPr algn="ctr"/>
+            <a:r>
+              <a:rPr lang="en-US" dirty="0"/>
+              <a:t>App</a:t>
+            </a:r>
+          </a:p>
+          <a:p>
+            <a:pPr algn="ctr"/>
+            <a:r>
+              <a:rPr lang="en-US" dirty="0"/>
+              <a:t>rank</a:t>
+            </a:r>
+          </a:p>
+        </p:txBody>
+      </p:sp>
+      <p:sp>
+        <p:nvSpPr>
+          <p:cNvPr id="93" name="TextBox 92">
+            <a:extLst>
+              <a:ext uri="{FF2B5EF4-FFF2-40B4-BE49-F238E27FC236}">
+                <a16:creationId xmlns:a16="http://schemas.microsoft.com/office/drawing/2014/main" id="{F4B8634C-970D-9E43-8CD1-66942CFB581A}"/>
+              </a:ext>
+            </a:extLst>
+          </p:cNvPr>
+          <p:cNvSpPr txBox="1"/>
+          <p:nvPr/>
+        </p:nvSpPr>
+        <p:spPr>
+          <a:xfrm>
+            <a:off x="6304351" y="5786591"/>
+            <a:ext cx="596702" cy="646331"/>
+          </a:xfrm>
+          <a:prstGeom prst="rect">
+            <a:avLst/>
+          </a:prstGeom>
+          <a:noFill/>
+        </p:spPr>
+        <p:txBody>
+          <a:bodyPr wrap="none" rtlCol="0">
+            <a:spAutoFit/>
+          </a:bodyPr>
+          <a:lstStyle/>
+          <a:p>
+            <a:pPr algn="ctr"/>
+            <a:r>
+              <a:rPr lang="en-US" dirty="0"/>
+              <a:t>App</a:t>
+            </a:r>
+          </a:p>
+          <a:p>
+            <a:pPr algn="ctr"/>
+            <a:r>
+              <a:rPr lang="en-US" dirty="0"/>
+              <a:t>rank</a:t>
+            </a:r>
+          </a:p>
+        </p:txBody>
+      </p:sp>
+      <p:cxnSp>
+        <p:nvCxnSpPr>
+          <p:cNvPr id="94" name="Straight Connector 93">
+            <a:extLst>
+              <a:ext uri="{FF2B5EF4-FFF2-40B4-BE49-F238E27FC236}">
+                <a16:creationId xmlns:a16="http://schemas.microsoft.com/office/drawing/2014/main" id="{10A69FE0-5DC4-AF40-9740-354D5DACBFEA}"/>
+              </a:ext>
+            </a:extLst>
+          </p:cNvPr>
+          <p:cNvCxnSpPr>
+            <a:endCxn id="92" idx="0"/>
+          </p:cNvCxnSpPr>
+          <p:nvPr/>
+        </p:nvCxnSpPr>
+        <p:spPr>
+          <a:xfrm>
+            <a:off x="5757835" y="5587245"/>
+            <a:ext cx="0" cy="199347"/>
+          </a:xfrm>
+          <a:prstGeom prst="line">
+            <a:avLst/>
+          </a:prstGeom>
+        </p:spPr>
+        <p:style>
+          <a:lnRef idx="1">
+            <a:schemeClr val="accent1"/>
+          </a:lnRef>
+          <a:fillRef idx="0">
+            <a:schemeClr val="accent1"/>
+          </a:fillRef>
+          <a:effectRef idx="0">
+            <a:schemeClr val="accent1"/>
+          </a:effectRef>
+          <a:fontRef idx="minor">
+            <a:schemeClr val="tx1"/>
+          </a:fontRef>
+        </p:style>
+      </p:cxnSp>
+      <p:cxnSp>
+        <p:nvCxnSpPr>
+          <p:cNvPr id="95" name="Straight Connector 94">
+            <a:extLst>
+              <a:ext uri="{FF2B5EF4-FFF2-40B4-BE49-F238E27FC236}">
+                <a16:creationId xmlns:a16="http://schemas.microsoft.com/office/drawing/2014/main" id="{262F9C48-C4B1-E44E-BB10-C40F883755AC}"/>
+              </a:ext>
+            </a:extLst>
+          </p:cNvPr>
+          <p:cNvCxnSpPr>
+            <a:endCxn id="93" idx="0"/>
+          </p:cNvCxnSpPr>
+          <p:nvPr/>
+        </p:nvCxnSpPr>
+        <p:spPr>
+          <a:xfrm>
+            <a:off x="6602702" y="5587245"/>
+            <a:ext cx="0" cy="199346"/>
+          </a:xfrm>
+          <a:prstGeom prst="line">
+            <a:avLst/>
+          </a:prstGeom>
+        </p:spPr>
+        <p:style>
+          <a:lnRef idx="1">
+            <a:schemeClr val="accent1"/>
+          </a:lnRef>
+          <a:fillRef idx="0">
+            <a:schemeClr val="accent1"/>
+          </a:fillRef>
+          <a:effectRef idx="0">
+            <a:schemeClr val="accent1"/>
+          </a:effectRef>
+          <a:fontRef idx="minor">
+            <a:schemeClr val="tx1"/>
+          </a:fontRef>
+        </p:style>
+      </p:cxnSp>
+      <p:cxnSp>
+        <p:nvCxnSpPr>
+          <p:cNvPr id="97" name="Straight Connector 96">
+            <a:extLst>
+              <a:ext uri="{FF2B5EF4-FFF2-40B4-BE49-F238E27FC236}">
+                <a16:creationId xmlns:a16="http://schemas.microsoft.com/office/drawing/2014/main" id="{CE2CE82A-421A-7B43-9976-2ECE5EF10870}"/>
+              </a:ext>
+            </a:extLst>
+          </p:cNvPr>
+          <p:cNvCxnSpPr>
+            <a:stCxn id="49" idx="3"/>
+            <a:endCxn id="60" idx="1"/>
+          </p:cNvCxnSpPr>
+          <p:nvPr/>
+        </p:nvCxnSpPr>
+        <p:spPr>
+          <a:xfrm>
+            <a:off x="5214185" y="1035684"/>
+            <a:ext cx="237542" cy="0"/>
+          </a:xfrm>
+          <a:prstGeom prst="line">
+            <a:avLst/>
+          </a:prstGeom>
+        </p:spPr>
+        <p:style>
+          <a:lnRef idx="1">
+            <a:schemeClr val="accent1"/>
+          </a:lnRef>
+          <a:fillRef idx="0">
+            <a:schemeClr val="accent1"/>
+          </a:fillRef>
+          <a:effectRef idx="0">
+            <a:schemeClr val="accent1"/>
+          </a:effectRef>
+          <a:fontRef idx="minor">
+            <a:schemeClr val="tx1"/>
+          </a:fontRef>
+        </p:style>
+      </p:cxnSp>
+      <p:cxnSp>
+        <p:nvCxnSpPr>
+          <p:cNvPr id="99" name="Straight Connector 98">
+            <a:extLst>
+              <a:ext uri="{FF2B5EF4-FFF2-40B4-BE49-F238E27FC236}">
+                <a16:creationId xmlns:a16="http://schemas.microsoft.com/office/drawing/2014/main" id="{7BA386BA-2A4C-0E41-9328-8FD4E747BE4E}"/>
+              </a:ext>
+            </a:extLst>
+          </p:cNvPr>
+          <p:cNvCxnSpPr>
+            <a:stCxn id="60" idx="3"/>
+            <a:endCxn id="75" idx="1"/>
+          </p:cNvCxnSpPr>
+          <p:nvPr/>
+        </p:nvCxnSpPr>
+        <p:spPr>
+          <a:xfrm>
+            <a:off x="6051058" y="1035684"/>
+            <a:ext cx="245536" cy="0"/>
+          </a:xfrm>
+          <a:prstGeom prst="line">
+            <a:avLst/>
+          </a:prstGeom>
+        </p:spPr>
+        <p:style>
+          <a:lnRef idx="1">
+            <a:schemeClr val="accent1"/>
+          </a:lnRef>
+          <a:fillRef idx="0">
+            <a:schemeClr val="accent1"/>
+          </a:fillRef>
+          <a:effectRef idx="0">
+            <a:schemeClr val="accent1"/>
+          </a:effectRef>
+          <a:fontRef idx="minor">
+            <a:schemeClr val="tx1"/>
+          </a:fontRef>
+        </p:style>
+      </p:cxnSp>
+      <p:sp>
+        <p:nvSpPr>
+          <p:cNvPr id="100" name="TextBox 99">
+            <a:extLst>
+              <a:ext uri="{FF2B5EF4-FFF2-40B4-BE49-F238E27FC236}">
+                <a16:creationId xmlns:a16="http://schemas.microsoft.com/office/drawing/2014/main" id="{EC46BA77-2CF3-AE4F-9A14-D7479B364762}"/>
+              </a:ext>
+            </a:extLst>
+          </p:cNvPr>
+          <p:cNvSpPr txBox="1"/>
+          <p:nvPr/>
+        </p:nvSpPr>
+        <p:spPr>
+          <a:xfrm>
+            <a:off x="7218493" y="1235032"/>
+            <a:ext cx="663643" cy="646331"/>
+          </a:xfrm>
+          <a:prstGeom prst="rect">
+            <a:avLst/>
+          </a:prstGeom>
+          <a:noFill/>
+        </p:spPr>
+        <p:txBody>
+          <a:bodyPr wrap="none" rtlCol="0">
+            <a:spAutoFit/>
+          </a:bodyPr>
+          <a:lstStyle/>
+          <a:p>
+            <a:pPr algn="ctr"/>
+            <a:r>
+              <a:rPr lang="en-US" dirty="0"/>
+              <a:t>Local</a:t>
+            </a:r>
+          </a:p>
+          <a:p>
+            <a:pPr algn="ctr"/>
+            <a:r>
+              <a:rPr lang="en-US" dirty="0"/>
+              <a:t>size</a:t>
+            </a:r>
+          </a:p>
+        </p:txBody>
+      </p:sp>
+      <p:sp>
+        <p:nvSpPr>
+          <p:cNvPr id="101" name="TextBox 100">
+            <a:extLst>
+              <a:ext uri="{FF2B5EF4-FFF2-40B4-BE49-F238E27FC236}">
+                <a16:creationId xmlns:a16="http://schemas.microsoft.com/office/drawing/2014/main" id="{0403CB6B-2185-E345-B2A9-26A44FE64D7D}"/>
+              </a:ext>
+            </a:extLst>
+          </p:cNvPr>
+          <p:cNvSpPr txBox="1"/>
+          <p:nvPr/>
+        </p:nvSpPr>
+        <p:spPr>
+          <a:xfrm>
+            <a:off x="7202591" y="2137410"/>
+            <a:ext cx="695447" cy="646331"/>
+          </a:xfrm>
+          <a:prstGeom prst="rect">
+            <a:avLst/>
+          </a:prstGeom>
+          <a:noFill/>
+        </p:spPr>
+        <p:txBody>
+          <a:bodyPr wrap="none" rtlCol="0">
+            <a:spAutoFit/>
+          </a:bodyPr>
+          <a:lstStyle/>
+          <a:p>
+            <a:pPr algn="ctr"/>
+            <a:r>
+              <a:rPr lang="en-US" dirty="0"/>
+              <a:t>Local</a:t>
+            </a:r>
+          </a:p>
+          <a:p>
+            <a:pPr algn="ctr"/>
+            <a:r>
+              <a:rPr lang="en-US" dirty="0"/>
+              <a:t>Peers</a:t>
+            </a:r>
+          </a:p>
+        </p:txBody>
+      </p:sp>
+      <p:sp>
+        <p:nvSpPr>
+          <p:cNvPr id="102" name="TextBox 101">
+            <a:extLst>
+              <a:ext uri="{FF2B5EF4-FFF2-40B4-BE49-F238E27FC236}">
+                <a16:creationId xmlns:a16="http://schemas.microsoft.com/office/drawing/2014/main" id="{21F3EB8D-599D-8D4A-BA9E-663B115FBD0E}"/>
+              </a:ext>
+            </a:extLst>
+          </p:cNvPr>
+          <p:cNvSpPr txBox="1"/>
+          <p:nvPr/>
+        </p:nvSpPr>
+        <p:spPr>
+          <a:xfrm>
+            <a:off x="7101922" y="3039788"/>
+            <a:ext cx="896784" cy="646331"/>
+          </a:xfrm>
+          <a:prstGeom prst="rect">
+            <a:avLst/>
+          </a:prstGeom>
+          <a:noFill/>
+        </p:spPr>
+        <p:txBody>
+          <a:bodyPr wrap="none" rtlCol="0">
+            <a:spAutoFit/>
+          </a:bodyPr>
+          <a:lstStyle/>
+          <a:p>
+            <a:pPr algn="ctr"/>
+            <a:r>
+              <a:rPr lang="en-US" dirty="0"/>
+              <a:t>Local</a:t>
+            </a:r>
+          </a:p>
+          <a:p>
+            <a:pPr algn="ctr"/>
+            <a:r>
+              <a:rPr lang="en-US" dirty="0"/>
+              <a:t>cpusets</a:t>
+            </a:r>
+          </a:p>
+        </p:txBody>
+      </p:sp>
+      <p:cxnSp>
+        <p:nvCxnSpPr>
+          <p:cNvPr id="106" name="Elbow Connector 105">
+            <a:extLst>
+              <a:ext uri="{FF2B5EF4-FFF2-40B4-BE49-F238E27FC236}">
+                <a16:creationId xmlns:a16="http://schemas.microsoft.com/office/drawing/2014/main" id="{647CD32D-8412-C74D-BA31-5552A783E01F}"/>
+              </a:ext>
+            </a:extLst>
+          </p:cNvPr>
+          <p:cNvCxnSpPr>
+            <a:stCxn id="75" idx="3"/>
+            <a:endCxn id="100" idx="0"/>
+          </p:cNvCxnSpPr>
+          <p:nvPr/>
+        </p:nvCxnSpPr>
+        <p:spPr>
+          <a:xfrm>
+            <a:off x="6895925" y="1035684"/>
+            <a:ext cx="654390" cy="199348"/>
+          </a:xfrm>
+          <a:prstGeom prst="bentConnector2">
+            <a:avLst/>
+          </a:prstGeom>
+        </p:spPr>
+        <p:style>
+          <a:lnRef idx="1">
+            <a:schemeClr val="accent1"/>
+          </a:lnRef>
+          <a:fillRef idx="0">
+            <a:schemeClr val="accent1"/>
+          </a:fillRef>
+          <a:effectRef idx="0">
+            <a:schemeClr val="accent1"/>
+          </a:effectRef>
+          <a:fontRef idx="minor">
+            <a:schemeClr val="tx1"/>
+          </a:fontRef>
+        </p:style>
+      </p:cxnSp>
+      <p:cxnSp>
+        <p:nvCxnSpPr>
+          <p:cNvPr id="108" name="Straight Connector 107">
+            <a:extLst>
+              <a:ext uri="{FF2B5EF4-FFF2-40B4-BE49-F238E27FC236}">
+                <a16:creationId xmlns:a16="http://schemas.microsoft.com/office/drawing/2014/main" id="{A4AFC405-89C4-1842-B4F6-4DB3EE7D8F3B}"/>
+              </a:ext>
+            </a:extLst>
+          </p:cNvPr>
+          <p:cNvCxnSpPr>
+            <a:stCxn id="100" idx="2"/>
+            <a:endCxn id="101" idx="0"/>
+          </p:cNvCxnSpPr>
+          <p:nvPr/>
+        </p:nvCxnSpPr>
+        <p:spPr>
+          <a:xfrm>
+            <a:off x="7550315" y="1881363"/>
+            <a:ext cx="0" cy="256047"/>
+          </a:xfrm>
+          <a:prstGeom prst="line">
+            <a:avLst/>
+          </a:prstGeom>
+        </p:spPr>
+        <p:style>
+          <a:lnRef idx="1">
+            <a:schemeClr val="accent1"/>
+          </a:lnRef>
+          <a:fillRef idx="0">
+            <a:schemeClr val="accent1"/>
+          </a:fillRef>
+          <a:effectRef idx="0">
+            <a:schemeClr val="accent1"/>
+          </a:effectRef>
+          <a:fontRef idx="minor">
+            <a:schemeClr val="tx1"/>
+          </a:fontRef>
+        </p:style>
+      </p:cxnSp>
+      <p:cxnSp>
+        <p:nvCxnSpPr>
+          <p:cNvPr id="110" name="Straight Connector 109">
+            <a:extLst>
+              <a:ext uri="{FF2B5EF4-FFF2-40B4-BE49-F238E27FC236}">
+                <a16:creationId xmlns:a16="http://schemas.microsoft.com/office/drawing/2014/main" id="{A8665300-0F8F-0D4F-AC30-EDABA39E937A}"/>
+              </a:ext>
+            </a:extLst>
+          </p:cNvPr>
+          <p:cNvCxnSpPr>
+            <a:stCxn id="101" idx="2"/>
+            <a:endCxn id="102" idx="0"/>
+          </p:cNvCxnSpPr>
+          <p:nvPr/>
+        </p:nvCxnSpPr>
+        <p:spPr>
+          <a:xfrm flipH="1">
+            <a:off x="7550314" y="2783741"/>
+            <a:ext cx="1" cy="256047"/>
           </a:xfrm>
           <a:prstGeom prst="line">
             <a:avLst/>
@@ -4808,6 +6163,186 @@
     <p:extLst>
       <p:ext uri="{BB962C8B-B14F-4D97-AF65-F5344CB8AC3E}">
         <p14:creationId xmlns:p14="http://schemas.microsoft.com/office/powerpoint/2010/main" val="1669200641"/>
+      </p:ext>
+    </p:extLst>
+  </p:cSld>
+  <p:clrMapOvr>
+    <a:masterClrMapping/>
+  </p:clrMapOvr>
+</p:sld>
+</file>
+
+<file path=ppt/slides/slide2.xml><?xml version="1.0" encoding="utf-8"?>
+<p:sld xmlns:a="http://schemas.openxmlformats.org/drawingml/2006/main" xmlns:r="http://schemas.openxmlformats.org/officeDocument/2006/relationships" xmlns:p="http://schemas.openxmlformats.org/presentationml/2006/main">
+  <p:cSld>
+    <p:spTree>
+      <p:nvGrpSpPr>
+        <p:cNvPr id="1" name=""/>
+        <p:cNvGrpSpPr/>
+        <p:nvPr/>
+      </p:nvGrpSpPr>
+      <p:grpSpPr>
+        <a:xfrm>
+          <a:off x="0" y="0"/>
+          <a:ext cx="0" cy="0"/>
+          <a:chOff x="0" y="0"/>
+          <a:chExt cx="0" cy="0"/>
+        </a:xfrm>
+      </p:grpSpPr>
+      <p:pic>
+        <p:nvPicPr>
+          <p:cNvPr id="2" name="Picture 1">
+            <a:extLst>
+              <a:ext uri="{FF2B5EF4-FFF2-40B4-BE49-F238E27FC236}">
+                <a16:creationId xmlns:a16="http://schemas.microsoft.com/office/drawing/2014/main" id="{D51E8901-6623-A143-AB69-50DEC0E7E1F1}"/>
+              </a:ext>
+            </a:extLst>
+          </p:cNvPr>
+          <p:cNvPicPr>
+            <a:picLocks noChangeAspect="1"/>
+          </p:cNvPicPr>
+          <p:nvPr/>
+        </p:nvPicPr>
+        <p:blipFill>
+          <a:blip r:embed="rId2"/>
+          <a:stretch>
+            <a:fillRect/>
+          </a:stretch>
+        </p:blipFill>
+        <p:spPr>
+          <a:xfrm>
+            <a:off x="157480" y="260350"/>
+            <a:ext cx="8470900" cy="6337300"/>
+          </a:xfrm>
+          <a:prstGeom prst="rect">
+            <a:avLst/>
+          </a:prstGeom>
+        </p:spPr>
+      </p:pic>
+    </p:spTree>
+    <p:extLst>
+      <p:ext uri="{BB962C8B-B14F-4D97-AF65-F5344CB8AC3E}">
+        <p14:creationId xmlns:p14="http://schemas.microsoft.com/office/powerpoint/2010/main" val="3173592403"/>
+      </p:ext>
+    </p:extLst>
+  </p:cSld>
+  <p:clrMapOvr>
+    <a:masterClrMapping/>
+  </p:clrMapOvr>
+</p:sld>
+</file>
+
+<file path=ppt/slides/slide3.xml><?xml version="1.0" encoding="utf-8"?>
+<p:sld xmlns:a="http://schemas.openxmlformats.org/drawingml/2006/main" xmlns:r="http://schemas.openxmlformats.org/officeDocument/2006/relationships" xmlns:p="http://schemas.openxmlformats.org/presentationml/2006/main">
+  <p:cSld>
+    <p:spTree>
+      <p:nvGrpSpPr>
+        <p:cNvPr id="1" name=""/>
+        <p:cNvGrpSpPr/>
+        <p:nvPr/>
+      </p:nvGrpSpPr>
+      <p:grpSpPr>
+        <a:xfrm>
+          <a:off x="0" y="0"/>
+          <a:ext cx="0" cy="0"/>
+          <a:chOff x="0" y="0"/>
+          <a:chExt cx="0" cy="0"/>
+        </a:xfrm>
+      </p:grpSpPr>
+      <p:pic>
+        <p:nvPicPr>
+          <p:cNvPr id="5" name="Picture 4">
+            <a:extLst>
+              <a:ext uri="{FF2B5EF4-FFF2-40B4-BE49-F238E27FC236}">
+                <a16:creationId xmlns:a16="http://schemas.microsoft.com/office/drawing/2014/main" id="{115EDD8A-2E55-A542-B220-F16E65B95950}"/>
+              </a:ext>
+            </a:extLst>
+          </p:cNvPr>
+          <p:cNvPicPr>
+            <a:picLocks noChangeAspect="1"/>
+          </p:cNvPicPr>
+          <p:nvPr/>
+        </p:nvPicPr>
+        <p:blipFill>
+          <a:blip r:embed="rId2"/>
+          <a:stretch>
+            <a:fillRect/>
+          </a:stretch>
+        </p:blipFill>
+        <p:spPr>
+          <a:xfrm>
+            <a:off x="468630" y="254000"/>
+            <a:ext cx="7391400" cy="6464300"/>
+          </a:xfrm>
+          <a:prstGeom prst="rect">
+            <a:avLst/>
+          </a:prstGeom>
+        </p:spPr>
+      </p:pic>
+    </p:spTree>
+    <p:extLst>
+      <p:ext uri="{BB962C8B-B14F-4D97-AF65-F5344CB8AC3E}">
+        <p14:creationId xmlns:p14="http://schemas.microsoft.com/office/powerpoint/2010/main" val="1703306950"/>
+      </p:ext>
+    </p:extLst>
+  </p:cSld>
+  <p:clrMapOvr>
+    <a:masterClrMapping/>
+  </p:clrMapOvr>
+</p:sld>
+</file>
+
+<file path=ppt/slides/slide4.xml><?xml version="1.0" encoding="utf-8"?>
+<p:sld xmlns:a="http://schemas.openxmlformats.org/drawingml/2006/main" xmlns:r="http://schemas.openxmlformats.org/officeDocument/2006/relationships" xmlns:p="http://schemas.openxmlformats.org/presentationml/2006/main">
+  <p:cSld>
+    <p:spTree>
+      <p:nvGrpSpPr>
+        <p:cNvPr id="1" name=""/>
+        <p:cNvGrpSpPr/>
+        <p:nvPr/>
+      </p:nvGrpSpPr>
+      <p:grpSpPr>
+        <a:xfrm>
+          <a:off x="0" y="0"/>
+          <a:ext cx="0" cy="0"/>
+          <a:chOff x="0" y="0"/>
+          <a:chExt cx="0" cy="0"/>
+        </a:xfrm>
+      </p:grpSpPr>
+      <p:pic>
+        <p:nvPicPr>
+          <p:cNvPr id="2" name="Picture 1">
+            <a:extLst>
+              <a:ext uri="{FF2B5EF4-FFF2-40B4-BE49-F238E27FC236}">
+                <a16:creationId xmlns:a16="http://schemas.microsoft.com/office/drawing/2014/main" id="{B72365FC-C5BC-4F4F-94C7-60B514829B72}"/>
+              </a:ext>
+            </a:extLst>
+          </p:cNvPr>
+          <p:cNvPicPr>
+            <a:picLocks noChangeAspect="1"/>
+          </p:cNvPicPr>
+          <p:nvPr/>
+        </p:nvPicPr>
+        <p:blipFill>
+          <a:blip r:embed="rId2"/>
+          <a:stretch>
+            <a:fillRect/>
+          </a:stretch>
+        </p:blipFill>
+        <p:spPr>
+          <a:xfrm>
+            <a:off x="1018540" y="392430"/>
+            <a:ext cx="6794500" cy="5524500"/>
+          </a:xfrm>
+          <a:prstGeom prst="rect">
+            <a:avLst/>
+          </a:prstGeom>
+        </p:spPr>
+      </p:pic>
+    </p:spTree>
+    <p:extLst>
+      <p:ext uri="{BB962C8B-B14F-4D97-AF65-F5344CB8AC3E}">
+        <p14:creationId xmlns:p14="http://schemas.microsoft.com/office/powerpoint/2010/main" val="3071618879"/>
       </p:ext>
     </p:extLst>
   </p:cSld>

--- a/figs/drawings.pptx
+++ b/figs/drawings.pptx
@@ -9,6 +9,7 @@
     <p:sldId id="259" r:id="rId3"/>
     <p:sldId id="258" r:id="rId4"/>
     <p:sldId id="257" r:id="rId5"/>
+    <p:sldId id="260" r:id="rId6"/>
   </p:sldIdLst>
   <p:sldSz cx="12192000" cy="6858000"/>
   <p:notesSz cx="6858000" cy="9144000"/>
@@ -107,6 +108,11 @@
       </a:defRPr>
     </a:lvl9pPr>
   </p:defaultTextStyle>
+  <p:extLst>
+    <p:ext uri="{EFAFB233-063F-42B5-8137-9DF3F51BA10A}">
+      <p15:sldGuideLst xmlns:p15="http://schemas.microsoft.com/office/powerpoint/2012/main"/>
+    </p:ext>
+  </p:extLst>
 </p:presentation>
 </file>
 
@@ -257,7 +263,7 @@
           <a:p>
             <a:fld id="{4597F392-DBDF-6842-8400-5A8310564639}" type="datetimeFigureOut">
               <a:rPr lang="en-US" smtClean="0"/>
-              <a:t>11/15/18</a:t>
+              <a:t>1/16/19</a:t>
             </a:fld>
             <a:endParaRPr lang="en-US" dirty="0"/>
           </a:p>
@@ -455,7 +461,7 @@
           <a:p>
             <a:fld id="{4597F392-DBDF-6842-8400-5A8310564639}" type="datetimeFigureOut">
               <a:rPr lang="en-US" smtClean="0"/>
-              <a:t>11/15/18</a:t>
+              <a:t>1/16/19</a:t>
             </a:fld>
             <a:endParaRPr lang="en-US" dirty="0"/>
           </a:p>
@@ -663,7 +669,7 @@
           <a:p>
             <a:fld id="{4597F392-DBDF-6842-8400-5A8310564639}" type="datetimeFigureOut">
               <a:rPr lang="en-US" smtClean="0"/>
-              <a:t>11/15/18</a:t>
+              <a:t>1/16/19</a:t>
             </a:fld>
             <a:endParaRPr lang="en-US" dirty="0"/>
           </a:p>
@@ -861,7 +867,7 @@
           <a:p>
             <a:fld id="{4597F392-DBDF-6842-8400-5A8310564639}" type="datetimeFigureOut">
               <a:rPr lang="en-US" smtClean="0"/>
-              <a:t>11/15/18</a:t>
+              <a:t>1/16/19</a:t>
             </a:fld>
             <a:endParaRPr lang="en-US" dirty="0"/>
           </a:p>
@@ -1136,7 +1142,7 @@
           <a:p>
             <a:fld id="{4597F392-DBDF-6842-8400-5A8310564639}" type="datetimeFigureOut">
               <a:rPr lang="en-US" smtClean="0"/>
-              <a:t>11/15/18</a:t>
+              <a:t>1/16/19</a:t>
             </a:fld>
             <a:endParaRPr lang="en-US" dirty="0"/>
           </a:p>
@@ -1401,7 +1407,7 @@
           <a:p>
             <a:fld id="{4597F392-DBDF-6842-8400-5A8310564639}" type="datetimeFigureOut">
               <a:rPr lang="en-US" smtClean="0"/>
-              <a:t>11/15/18</a:t>
+              <a:t>1/16/19</a:t>
             </a:fld>
             <a:endParaRPr lang="en-US" dirty="0"/>
           </a:p>
@@ -1813,7 +1819,7 @@
           <a:p>
             <a:fld id="{4597F392-DBDF-6842-8400-5A8310564639}" type="datetimeFigureOut">
               <a:rPr lang="en-US" smtClean="0"/>
-              <a:t>11/15/18</a:t>
+              <a:t>1/16/19</a:t>
             </a:fld>
             <a:endParaRPr lang="en-US" dirty="0"/>
           </a:p>
@@ -1954,7 +1960,7 @@
           <a:p>
             <a:fld id="{4597F392-DBDF-6842-8400-5A8310564639}" type="datetimeFigureOut">
               <a:rPr lang="en-US" smtClean="0"/>
-              <a:t>11/15/18</a:t>
+              <a:t>1/16/19</a:t>
             </a:fld>
             <a:endParaRPr lang="en-US" dirty="0"/>
           </a:p>
@@ -2067,7 +2073,7 @@
           <a:p>
             <a:fld id="{4597F392-DBDF-6842-8400-5A8310564639}" type="datetimeFigureOut">
               <a:rPr lang="en-US" smtClean="0"/>
-              <a:t>11/15/18</a:t>
+              <a:t>1/16/19</a:t>
             </a:fld>
             <a:endParaRPr lang="en-US" dirty="0"/>
           </a:p>
@@ -2378,7 +2384,7 @@
           <a:p>
             <a:fld id="{4597F392-DBDF-6842-8400-5A8310564639}" type="datetimeFigureOut">
               <a:rPr lang="en-US" smtClean="0"/>
-              <a:t>11/15/18</a:t>
+              <a:t>1/16/19</a:t>
             </a:fld>
             <a:endParaRPr lang="en-US" dirty="0"/>
           </a:p>
@@ -2666,7 +2672,7 @@
           <a:p>
             <a:fld id="{4597F392-DBDF-6842-8400-5A8310564639}" type="datetimeFigureOut">
               <a:rPr lang="en-US" smtClean="0"/>
-              <a:t>11/15/18</a:t>
+              <a:t>1/16/19</a:t>
             </a:fld>
             <a:endParaRPr lang="en-US" dirty="0"/>
           </a:p>
@@ -2907,7 +2913,7 @@
           <a:p>
             <a:fld id="{4597F392-DBDF-6842-8400-5A8310564639}" type="datetimeFigureOut">
               <a:rPr lang="en-US" smtClean="0"/>
-              <a:t>11/15/18</a:t>
+              <a:t>1/16/19</a:t>
             </a:fld>
             <a:endParaRPr lang="en-US" dirty="0"/>
           </a:p>
@@ -4101,7 +4107,7 @@
         </p:nvSpPr>
         <p:spPr>
           <a:xfrm>
-            <a:off x="3094630" y="4940919"/>
+            <a:off x="3094374" y="4940919"/>
             <a:ext cx="692305" cy="646331"/>
           </a:xfrm>
           <a:prstGeom prst="rect">
@@ -4148,7 +4154,7 @@
         <p:spPr>
           <a:xfrm>
             <a:off x="3440527" y="4741570"/>
-            <a:ext cx="256" cy="199349"/>
+            <a:ext cx="0" cy="199349"/>
           </a:xfrm>
           <a:prstGeom prst="line">
             <a:avLst/>
@@ -4731,46 +4737,6 @@
       </p:cxnSp>
       <p:cxnSp>
         <p:nvCxnSpPr>
-          <p:cNvPr id="57" name="Straight Connector 56">
-            <a:extLst>
-              <a:ext uri="{FF2B5EF4-FFF2-40B4-BE49-F238E27FC236}">
-                <a16:creationId xmlns:a16="http://schemas.microsoft.com/office/drawing/2014/main" id="{81827CE1-59FE-8040-A4CB-A826632B61EC}"/>
-              </a:ext>
-            </a:extLst>
-          </p:cNvPr>
-          <p:cNvCxnSpPr>
-            <a:cxnSpLocks/>
-            <a:stCxn id="19" idx="3"/>
-            <a:endCxn id="38" idx="1"/>
-          </p:cNvCxnSpPr>
-          <p:nvPr/>
-        </p:nvCxnSpPr>
-        <p:spPr>
-          <a:xfrm flipV="1">
-            <a:off x="3713293" y="1035684"/>
-            <a:ext cx="226122" cy="1"/>
-          </a:xfrm>
-          <a:prstGeom prst="line">
-            <a:avLst/>
-          </a:prstGeom>
-        </p:spPr>
-        <p:style>
-          <a:lnRef idx="1">
-            <a:schemeClr val="accent1"/>
-          </a:lnRef>
-          <a:fillRef idx="0">
-            <a:schemeClr val="accent1"/>
-          </a:fillRef>
-          <a:effectRef idx="0">
-            <a:schemeClr val="accent1"/>
-          </a:effectRef>
-          <a:fontRef idx="minor">
-            <a:schemeClr val="tx1"/>
-          </a:fontRef>
-        </p:style>
-      </p:cxnSp>
-      <p:cxnSp>
-        <p:nvCxnSpPr>
           <p:cNvPr id="59" name="Straight Connector 58">
             <a:extLst>
               <a:ext uri="{FF2B5EF4-FFF2-40B4-BE49-F238E27FC236}">
@@ -5837,23 +5803,23 @@
       </p:cxnSp>
       <p:cxnSp>
         <p:nvCxnSpPr>
-          <p:cNvPr id="97" name="Straight Connector 96">
-            <a:extLst>
-              <a:ext uri="{FF2B5EF4-FFF2-40B4-BE49-F238E27FC236}">
-                <a16:creationId xmlns:a16="http://schemas.microsoft.com/office/drawing/2014/main" id="{CE2CE82A-421A-7B43-9976-2ECE5EF10870}"/>
+          <p:cNvPr id="99" name="Straight Connector 98">
+            <a:extLst>
+              <a:ext uri="{FF2B5EF4-FFF2-40B4-BE49-F238E27FC236}">
+                <a16:creationId xmlns:a16="http://schemas.microsoft.com/office/drawing/2014/main" id="{7BA386BA-2A4C-0E41-9328-8FD4E747BE4E}"/>
               </a:ext>
             </a:extLst>
           </p:cNvPr>
           <p:cNvCxnSpPr>
-            <a:stCxn id="49" idx="3"/>
-            <a:endCxn id="60" idx="1"/>
+            <a:stCxn id="60" idx="3"/>
+            <a:endCxn id="75" idx="1"/>
           </p:cNvCxnSpPr>
           <p:nvPr/>
         </p:nvCxnSpPr>
         <p:spPr>
           <a:xfrm>
-            <a:off x="5214185" y="1035684"/>
-            <a:ext cx="237542" cy="0"/>
+            <a:off x="6051058" y="1035684"/>
+            <a:ext cx="245536" cy="0"/>
           </a:xfrm>
           <a:prstGeom prst="line">
             <a:avLst/>
@@ -5874,45 +5840,6 @@
           </a:fontRef>
         </p:style>
       </p:cxnSp>
-      <p:cxnSp>
-        <p:nvCxnSpPr>
-          <p:cNvPr id="99" name="Straight Connector 98">
-            <a:extLst>
-              <a:ext uri="{FF2B5EF4-FFF2-40B4-BE49-F238E27FC236}">
-                <a16:creationId xmlns:a16="http://schemas.microsoft.com/office/drawing/2014/main" id="{7BA386BA-2A4C-0E41-9328-8FD4E747BE4E}"/>
-              </a:ext>
-            </a:extLst>
-          </p:cNvPr>
-          <p:cNvCxnSpPr>
-            <a:stCxn id="60" idx="3"/>
-            <a:endCxn id="75" idx="1"/>
-          </p:cNvCxnSpPr>
-          <p:nvPr/>
-        </p:nvCxnSpPr>
-        <p:spPr>
-          <a:xfrm>
-            <a:off x="6051058" y="1035684"/>
-            <a:ext cx="245536" cy="0"/>
-          </a:xfrm>
-          <a:prstGeom prst="line">
-            <a:avLst/>
-          </a:prstGeom>
-        </p:spPr>
-        <p:style>
-          <a:lnRef idx="1">
-            <a:schemeClr val="accent1"/>
-          </a:lnRef>
-          <a:fillRef idx="0">
-            <a:schemeClr val="accent1"/>
-          </a:fillRef>
-          <a:effectRef idx="0">
-            <a:schemeClr val="accent1"/>
-          </a:effectRef>
-          <a:fontRef idx="minor">
-            <a:schemeClr val="tx1"/>
-          </a:fontRef>
-        </p:style>
-      </p:cxnSp>
       <p:sp>
         <p:nvSpPr>
           <p:cNvPr id="100" name="TextBox 99">
@@ -6052,6 +5979,7 @@
             </a:extLst>
           </p:cNvPr>
           <p:cNvCxnSpPr>
+            <a:cxnSpLocks/>
             <a:stCxn id="75" idx="3"/>
             <a:endCxn id="100" idx="0"/>
           </p:cNvCxnSpPr>
@@ -6139,6 +6067,767 @@
           <a:xfrm flipH="1">
             <a:off x="7550314" y="2783741"/>
             <a:ext cx="1" cy="256047"/>
+          </a:xfrm>
+          <a:prstGeom prst="line">
+            <a:avLst/>
+          </a:prstGeom>
+        </p:spPr>
+        <p:style>
+          <a:lnRef idx="1">
+            <a:schemeClr val="accent1"/>
+          </a:lnRef>
+          <a:fillRef idx="0">
+            <a:schemeClr val="accent1"/>
+          </a:fillRef>
+          <a:effectRef idx="0">
+            <a:schemeClr val="accent1"/>
+          </a:effectRef>
+          <a:fontRef idx="minor">
+            <a:schemeClr val="tx1"/>
+          </a:fontRef>
+        </p:style>
+      </p:cxnSp>
+      <p:sp>
+        <p:nvSpPr>
+          <p:cNvPr id="2" name="TextBox 1">
+            <a:extLst>
+              <a:ext uri="{FF2B5EF4-FFF2-40B4-BE49-F238E27FC236}">
+                <a16:creationId xmlns:a16="http://schemas.microsoft.com/office/drawing/2014/main" id="{7AF29462-8D73-764D-8BE4-DAAD5F24FDA9}"/>
+              </a:ext>
+            </a:extLst>
+          </p:cNvPr>
+          <p:cNvSpPr txBox="1"/>
+          <p:nvPr/>
+        </p:nvSpPr>
+        <p:spPr>
+          <a:xfrm>
+            <a:off x="3094117" y="5723437"/>
+            <a:ext cx="692818" cy="646331"/>
+          </a:xfrm>
+          <a:prstGeom prst="rect">
+            <a:avLst/>
+          </a:prstGeom>
+          <a:noFill/>
+        </p:spPr>
+        <p:txBody>
+          <a:bodyPr wrap="none" rtlCol="0">
+            <a:spAutoFit/>
+          </a:bodyPr>
+          <a:lstStyle/>
+          <a:p>
+            <a:pPr algn="ctr"/>
+            <a:r>
+              <a:rPr lang="en-US" dirty="0"/>
+              <a:t>Node</a:t>
+            </a:r>
+          </a:p>
+          <a:p>
+            <a:pPr algn="ctr"/>
+            <a:r>
+              <a:rPr lang="en-US" dirty="0"/>
+              <a:t>Info</a:t>
+            </a:r>
+          </a:p>
+        </p:txBody>
+      </p:sp>
+      <p:cxnSp>
+        <p:nvCxnSpPr>
+          <p:cNvPr id="74" name="Straight Connector 73">
+            <a:extLst>
+              <a:ext uri="{FF2B5EF4-FFF2-40B4-BE49-F238E27FC236}">
+                <a16:creationId xmlns:a16="http://schemas.microsoft.com/office/drawing/2014/main" id="{1538EC28-49F6-A840-AC37-FDED36ED1184}"/>
+              </a:ext>
+            </a:extLst>
+          </p:cNvPr>
+          <p:cNvCxnSpPr>
+            <a:cxnSpLocks/>
+          </p:cNvCxnSpPr>
+          <p:nvPr/>
+        </p:nvCxnSpPr>
+        <p:spPr>
+          <a:xfrm flipH="1">
+            <a:off x="3440270" y="5587250"/>
+            <a:ext cx="512" cy="199341"/>
+          </a:xfrm>
+          <a:prstGeom prst="line">
+            <a:avLst/>
+          </a:prstGeom>
+        </p:spPr>
+        <p:style>
+          <a:lnRef idx="1">
+            <a:schemeClr val="accent1"/>
+          </a:lnRef>
+          <a:fillRef idx="0">
+            <a:schemeClr val="accent1"/>
+          </a:fillRef>
+          <a:effectRef idx="0">
+            <a:schemeClr val="accent1"/>
+          </a:effectRef>
+          <a:fontRef idx="minor">
+            <a:schemeClr val="tx1"/>
+          </a:fontRef>
+        </p:style>
+      </p:cxnSp>
+      <p:sp>
+        <p:nvSpPr>
+          <p:cNvPr id="11" name="TextBox 10">
+            <a:extLst>
+              <a:ext uri="{FF2B5EF4-FFF2-40B4-BE49-F238E27FC236}">
+                <a16:creationId xmlns:a16="http://schemas.microsoft.com/office/drawing/2014/main" id="{65175EE8-6188-A246-9732-832CFC32269B}"/>
+              </a:ext>
+            </a:extLst>
+          </p:cNvPr>
+          <p:cNvSpPr txBox="1"/>
+          <p:nvPr/>
+        </p:nvSpPr>
+        <p:spPr>
+          <a:xfrm>
+            <a:off x="1983934" y="5861936"/>
+            <a:ext cx="809837" cy="369332"/>
+          </a:xfrm>
+          <a:prstGeom prst="rect">
+            <a:avLst/>
+          </a:prstGeom>
+          <a:noFill/>
+        </p:spPr>
+        <p:txBody>
+          <a:bodyPr wrap="none" rtlCol="0">
+            <a:spAutoFit/>
+          </a:bodyPr>
+          <a:lstStyle/>
+          <a:p>
+            <a:r>
+              <a:rPr lang="en-US" dirty="0"/>
+              <a:t>Node1</a:t>
+            </a:r>
+          </a:p>
+        </p:txBody>
+      </p:sp>
+      <p:cxnSp>
+        <p:nvCxnSpPr>
+          <p:cNvPr id="15" name="Straight Connector 14">
+            <a:extLst>
+              <a:ext uri="{FF2B5EF4-FFF2-40B4-BE49-F238E27FC236}">
+                <a16:creationId xmlns:a16="http://schemas.microsoft.com/office/drawing/2014/main" id="{C1D611FD-172B-B141-8D03-101CD9D8F69B}"/>
+              </a:ext>
+            </a:extLst>
+          </p:cNvPr>
+          <p:cNvCxnSpPr>
+            <a:stCxn id="2" idx="1"/>
+            <a:endCxn id="11" idx="3"/>
+          </p:cNvCxnSpPr>
+          <p:nvPr/>
+        </p:nvCxnSpPr>
+        <p:spPr>
+          <a:xfrm flipH="1" flipV="1">
+            <a:off x="2793771" y="6046602"/>
+            <a:ext cx="300346" cy="1"/>
+          </a:xfrm>
+          <a:prstGeom prst="line">
+            <a:avLst/>
+          </a:prstGeom>
+        </p:spPr>
+        <p:style>
+          <a:lnRef idx="1">
+            <a:schemeClr val="accent1"/>
+          </a:lnRef>
+          <a:fillRef idx="0">
+            <a:schemeClr val="accent1"/>
+          </a:fillRef>
+          <a:effectRef idx="0">
+            <a:schemeClr val="accent1"/>
+          </a:effectRef>
+          <a:fontRef idx="minor">
+            <a:schemeClr val="tx1"/>
+          </a:fontRef>
+        </p:style>
+      </p:cxnSp>
+      <p:sp>
+        <p:nvSpPr>
+          <p:cNvPr id="17" name="TextBox 16">
+            <a:extLst>
+              <a:ext uri="{FF2B5EF4-FFF2-40B4-BE49-F238E27FC236}">
+                <a16:creationId xmlns:a16="http://schemas.microsoft.com/office/drawing/2014/main" id="{4EF02C3B-A3C7-E445-B9F9-C1F9384639D3}"/>
+              </a:ext>
+            </a:extLst>
+          </p:cNvPr>
+          <p:cNvSpPr txBox="1"/>
+          <p:nvPr/>
+        </p:nvSpPr>
+        <p:spPr>
+          <a:xfrm>
+            <a:off x="2057031" y="4328070"/>
+            <a:ext cx="663643" cy="646331"/>
+          </a:xfrm>
+          <a:prstGeom prst="rect">
+            <a:avLst/>
+          </a:prstGeom>
+          <a:noFill/>
+        </p:spPr>
+        <p:txBody>
+          <a:bodyPr wrap="none" rtlCol="0">
+            <a:spAutoFit/>
+          </a:bodyPr>
+          <a:lstStyle/>
+          <a:p>
+            <a:pPr algn="ctr"/>
+            <a:r>
+              <a:rPr lang="en-US" dirty="0"/>
+              <a:t>Local</a:t>
+            </a:r>
+          </a:p>
+          <a:p>
+            <a:pPr algn="ctr"/>
+            <a:r>
+              <a:rPr lang="en-US" dirty="0"/>
+              <a:t>Ldr</a:t>
+            </a:r>
+          </a:p>
+        </p:txBody>
+      </p:sp>
+      <p:cxnSp>
+        <p:nvCxnSpPr>
+          <p:cNvPr id="21" name="Straight Connector 20">
+            <a:extLst>
+              <a:ext uri="{FF2B5EF4-FFF2-40B4-BE49-F238E27FC236}">
+                <a16:creationId xmlns:a16="http://schemas.microsoft.com/office/drawing/2014/main" id="{B48A10B2-FE14-9744-89F5-7486A28C4A7B}"/>
+              </a:ext>
+            </a:extLst>
+          </p:cNvPr>
+          <p:cNvCxnSpPr/>
+          <p:nvPr/>
+        </p:nvCxnSpPr>
+        <p:spPr>
+          <a:xfrm>
+            <a:off x="2388852" y="4974401"/>
+            <a:ext cx="0" cy="274691"/>
+          </a:xfrm>
+          <a:prstGeom prst="line">
+            <a:avLst/>
+          </a:prstGeom>
+        </p:spPr>
+        <p:style>
+          <a:lnRef idx="1">
+            <a:schemeClr val="accent1"/>
+          </a:lnRef>
+          <a:fillRef idx="0">
+            <a:schemeClr val="accent1"/>
+          </a:fillRef>
+          <a:effectRef idx="0">
+            <a:schemeClr val="accent1"/>
+          </a:effectRef>
+          <a:fontRef idx="minor">
+            <a:schemeClr val="tx1"/>
+          </a:fontRef>
+        </p:style>
+      </p:cxnSp>
+      <p:sp>
+        <p:nvSpPr>
+          <p:cNvPr id="25" name="TextBox 24">
+            <a:extLst>
+              <a:ext uri="{FF2B5EF4-FFF2-40B4-BE49-F238E27FC236}">
+                <a16:creationId xmlns:a16="http://schemas.microsoft.com/office/drawing/2014/main" id="{E8BE766A-2E3D-554B-8066-0D9AD5D19408}"/>
+              </a:ext>
+            </a:extLst>
+          </p:cNvPr>
+          <p:cNvSpPr txBox="1"/>
+          <p:nvPr/>
+        </p:nvSpPr>
+        <p:spPr>
+          <a:xfrm>
+            <a:off x="2044303" y="3482394"/>
+            <a:ext cx="689099" cy="646331"/>
+          </a:xfrm>
+          <a:prstGeom prst="rect">
+            <a:avLst/>
+          </a:prstGeom>
+          <a:noFill/>
+        </p:spPr>
+        <p:txBody>
+          <a:bodyPr wrap="none" rtlCol="0">
+            <a:spAutoFit/>
+          </a:bodyPr>
+          <a:lstStyle/>
+          <a:p>
+            <a:r>
+              <a:rPr lang="en-US" dirty="0"/>
+              <a:t>Max</a:t>
+            </a:r>
+          </a:p>
+          <a:p>
+            <a:r>
+              <a:rPr lang="en-US" dirty="0"/>
+              <a:t>Procs</a:t>
+            </a:r>
+          </a:p>
+        </p:txBody>
+      </p:sp>
+      <p:cxnSp>
+        <p:nvCxnSpPr>
+          <p:cNvPr id="29" name="Straight Connector 28">
+            <a:extLst>
+              <a:ext uri="{FF2B5EF4-FFF2-40B4-BE49-F238E27FC236}">
+                <a16:creationId xmlns:a16="http://schemas.microsoft.com/office/drawing/2014/main" id="{8E7CA5FA-04E5-9D44-A2ED-8D83B0403908}"/>
+              </a:ext>
+            </a:extLst>
+          </p:cNvPr>
+          <p:cNvCxnSpPr/>
+          <p:nvPr/>
+        </p:nvCxnSpPr>
+        <p:spPr>
+          <a:xfrm>
+            <a:off x="2388852" y="4128725"/>
+            <a:ext cx="0" cy="199345"/>
+          </a:xfrm>
+          <a:prstGeom prst="line">
+            <a:avLst/>
+          </a:prstGeom>
+        </p:spPr>
+        <p:style>
+          <a:lnRef idx="1">
+            <a:schemeClr val="accent1"/>
+          </a:lnRef>
+          <a:fillRef idx="0">
+            <a:schemeClr val="accent1"/>
+          </a:fillRef>
+          <a:effectRef idx="0">
+            <a:schemeClr val="accent1"/>
+          </a:effectRef>
+          <a:fontRef idx="minor">
+            <a:schemeClr val="tx1"/>
+          </a:fontRef>
+        </p:style>
+      </p:cxnSp>
+      <p:sp>
+        <p:nvSpPr>
+          <p:cNvPr id="31" name="TextBox 30">
+            <a:extLst>
+              <a:ext uri="{FF2B5EF4-FFF2-40B4-BE49-F238E27FC236}">
+                <a16:creationId xmlns:a16="http://schemas.microsoft.com/office/drawing/2014/main" id="{80338AC9-3F53-8A40-872C-EDE1AC2D797B}"/>
+              </a:ext>
+            </a:extLst>
+          </p:cNvPr>
+          <p:cNvSpPr txBox="1"/>
+          <p:nvPr/>
+        </p:nvSpPr>
+        <p:spPr>
+          <a:xfrm>
+            <a:off x="1815298" y="5299800"/>
+            <a:ext cx="1147109" cy="369332"/>
+          </a:xfrm>
+          <a:prstGeom prst="rect">
+            <a:avLst/>
+          </a:prstGeom>
+          <a:noFill/>
+        </p:spPr>
+        <p:txBody>
+          <a:bodyPr wrap="none" rtlCol="0">
+            <a:spAutoFit/>
+          </a:bodyPr>
+          <a:lstStyle/>
+          <a:p>
+            <a:r>
+              <a:rPr lang="en-US" dirty="0"/>
+              <a:t>Hostname</a:t>
+            </a:r>
+          </a:p>
+        </p:txBody>
+      </p:sp>
+      <p:cxnSp>
+        <p:nvCxnSpPr>
+          <p:cNvPr id="36" name="Straight Connector 35">
+            <a:extLst>
+              <a:ext uri="{FF2B5EF4-FFF2-40B4-BE49-F238E27FC236}">
+                <a16:creationId xmlns:a16="http://schemas.microsoft.com/office/drawing/2014/main" id="{1DF6A928-A166-2948-A01A-6BB393646112}"/>
+              </a:ext>
+            </a:extLst>
+          </p:cNvPr>
+          <p:cNvCxnSpPr/>
+          <p:nvPr/>
+        </p:nvCxnSpPr>
+        <p:spPr>
+          <a:xfrm>
+            <a:off x="2388852" y="5669132"/>
+            <a:ext cx="0" cy="192804"/>
+          </a:xfrm>
+          <a:prstGeom prst="line">
+            <a:avLst/>
+          </a:prstGeom>
+        </p:spPr>
+        <p:style>
+          <a:lnRef idx="1">
+            <a:schemeClr val="accent1"/>
+          </a:lnRef>
+          <a:fillRef idx="0">
+            <a:schemeClr val="accent1"/>
+          </a:fillRef>
+          <a:effectRef idx="0">
+            <a:schemeClr val="accent1"/>
+          </a:effectRef>
+          <a:fontRef idx="minor">
+            <a:schemeClr val="tx1"/>
+          </a:fontRef>
+        </p:style>
+      </p:cxnSp>
+      <p:sp>
+        <p:nvSpPr>
+          <p:cNvPr id="90" name="TextBox 89">
+            <a:extLst>
+              <a:ext uri="{FF2B5EF4-FFF2-40B4-BE49-F238E27FC236}">
+                <a16:creationId xmlns:a16="http://schemas.microsoft.com/office/drawing/2014/main" id="{D9434412-29BA-914E-8C7E-DD9EEFFF4EA1}"/>
+              </a:ext>
+            </a:extLst>
+          </p:cNvPr>
+          <p:cNvSpPr txBox="1"/>
+          <p:nvPr/>
+        </p:nvSpPr>
+        <p:spPr>
+          <a:xfrm>
+            <a:off x="833595" y="5861936"/>
+            <a:ext cx="809837" cy="369332"/>
+          </a:xfrm>
+          <a:prstGeom prst="rect">
+            <a:avLst/>
+          </a:prstGeom>
+          <a:noFill/>
+        </p:spPr>
+        <p:txBody>
+          <a:bodyPr wrap="none" rtlCol="0">
+            <a:spAutoFit/>
+          </a:bodyPr>
+          <a:lstStyle/>
+          <a:p>
+            <a:r>
+              <a:rPr lang="en-US" dirty="0"/>
+              <a:t>Node2</a:t>
+            </a:r>
+          </a:p>
+        </p:txBody>
+      </p:sp>
+      <p:cxnSp>
+        <p:nvCxnSpPr>
+          <p:cNvPr id="96" name="Straight Connector 95">
+            <a:extLst>
+              <a:ext uri="{FF2B5EF4-FFF2-40B4-BE49-F238E27FC236}">
+                <a16:creationId xmlns:a16="http://schemas.microsoft.com/office/drawing/2014/main" id="{17F3A6AB-58C0-724F-B4BB-CB0AA7FD366F}"/>
+              </a:ext>
+            </a:extLst>
+          </p:cNvPr>
+          <p:cNvCxnSpPr>
+            <a:endCxn id="90" idx="3"/>
+          </p:cNvCxnSpPr>
+          <p:nvPr/>
+        </p:nvCxnSpPr>
+        <p:spPr>
+          <a:xfrm flipH="1" flipV="1">
+            <a:off x="1643432" y="6046602"/>
+            <a:ext cx="300347" cy="2"/>
+          </a:xfrm>
+          <a:prstGeom prst="line">
+            <a:avLst/>
+          </a:prstGeom>
+        </p:spPr>
+        <p:style>
+          <a:lnRef idx="1">
+            <a:schemeClr val="accent1"/>
+          </a:lnRef>
+          <a:fillRef idx="0">
+            <a:schemeClr val="accent1"/>
+          </a:fillRef>
+          <a:effectRef idx="0">
+            <a:schemeClr val="accent1"/>
+          </a:effectRef>
+          <a:fontRef idx="minor">
+            <a:schemeClr val="tx1"/>
+          </a:fontRef>
+        </p:style>
+      </p:cxnSp>
+      <p:sp>
+        <p:nvSpPr>
+          <p:cNvPr id="98" name="TextBox 97">
+            <a:extLst>
+              <a:ext uri="{FF2B5EF4-FFF2-40B4-BE49-F238E27FC236}">
+                <a16:creationId xmlns:a16="http://schemas.microsoft.com/office/drawing/2014/main" id="{C364944A-3810-8343-8F26-6FBA77E05B2D}"/>
+              </a:ext>
+            </a:extLst>
+          </p:cNvPr>
+          <p:cNvSpPr txBox="1"/>
+          <p:nvPr/>
+        </p:nvSpPr>
+        <p:spPr>
+          <a:xfrm>
+            <a:off x="906692" y="4328070"/>
+            <a:ext cx="663643" cy="646331"/>
+          </a:xfrm>
+          <a:prstGeom prst="rect">
+            <a:avLst/>
+          </a:prstGeom>
+          <a:noFill/>
+        </p:spPr>
+        <p:txBody>
+          <a:bodyPr wrap="none" rtlCol="0">
+            <a:spAutoFit/>
+          </a:bodyPr>
+          <a:lstStyle/>
+          <a:p>
+            <a:pPr algn="ctr"/>
+            <a:r>
+              <a:rPr lang="en-US" dirty="0"/>
+              <a:t>Local</a:t>
+            </a:r>
+          </a:p>
+          <a:p>
+            <a:pPr algn="ctr"/>
+            <a:r>
+              <a:rPr lang="en-US" dirty="0"/>
+              <a:t>Ldr</a:t>
+            </a:r>
+          </a:p>
+        </p:txBody>
+      </p:sp>
+      <p:cxnSp>
+        <p:nvCxnSpPr>
+          <p:cNvPr id="103" name="Straight Connector 102">
+            <a:extLst>
+              <a:ext uri="{FF2B5EF4-FFF2-40B4-BE49-F238E27FC236}">
+                <a16:creationId xmlns:a16="http://schemas.microsoft.com/office/drawing/2014/main" id="{029BA5FF-11AE-2745-A347-7F83F33A1301}"/>
+              </a:ext>
+            </a:extLst>
+          </p:cNvPr>
+          <p:cNvCxnSpPr/>
+          <p:nvPr/>
+        </p:nvCxnSpPr>
+        <p:spPr>
+          <a:xfrm>
+            <a:off x="1238513" y="4974401"/>
+            <a:ext cx="0" cy="274691"/>
+          </a:xfrm>
+          <a:prstGeom prst="line">
+            <a:avLst/>
+          </a:prstGeom>
+        </p:spPr>
+        <p:style>
+          <a:lnRef idx="1">
+            <a:schemeClr val="accent1"/>
+          </a:lnRef>
+          <a:fillRef idx="0">
+            <a:schemeClr val="accent1"/>
+          </a:fillRef>
+          <a:effectRef idx="0">
+            <a:schemeClr val="accent1"/>
+          </a:effectRef>
+          <a:fontRef idx="minor">
+            <a:schemeClr val="tx1"/>
+          </a:fontRef>
+        </p:style>
+      </p:cxnSp>
+      <p:sp>
+        <p:nvSpPr>
+          <p:cNvPr id="104" name="TextBox 103">
+            <a:extLst>
+              <a:ext uri="{FF2B5EF4-FFF2-40B4-BE49-F238E27FC236}">
+                <a16:creationId xmlns:a16="http://schemas.microsoft.com/office/drawing/2014/main" id="{C68301C1-F563-8347-A9D3-20927D12128F}"/>
+              </a:ext>
+            </a:extLst>
+          </p:cNvPr>
+          <p:cNvSpPr txBox="1"/>
+          <p:nvPr/>
+        </p:nvSpPr>
+        <p:spPr>
+          <a:xfrm>
+            <a:off x="893964" y="3482394"/>
+            <a:ext cx="689099" cy="646331"/>
+          </a:xfrm>
+          <a:prstGeom prst="rect">
+            <a:avLst/>
+          </a:prstGeom>
+          <a:noFill/>
+        </p:spPr>
+        <p:txBody>
+          <a:bodyPr wrap="none" rtlCol="0">
+            <a:spAutoFit/>
+          </a:bodyPr>
+          <a:lstStyle/>
+          <a:p>
+            <a:r>
+              <a:rPr lang="en-US" dirty="0"/>
+              <a:t>Max</a:t>
+            </a:r>
+          </a:p>
+          <a:p>
+            <a:r>
+              <a:rPr lang="en-US" dirty="0"/>
+              <a:t>Procs</a:t>
+            </a:r>
+          </a:p>
+        </p:txBody>
+      </p:sp>
+      <p:cxnSp>
+        <p:nvCxnSpPr>
+          <p:cNvPr id="105" name="Straight Connector 104">
+            <a:extLst>
+              <a:ext uri="{FF2B5EF4-FFF2-40B4-BE49-F238E27FC236}">
+                <a16:creationId xmlns:a16="http://schemas.microsoft.com/office/drawing/2014/main" id="{836A3160-4106-664A-9371-892D8E973452}"/>
+              </a:ext>
+            </a:extLst>
+          </p:cNvPr>
+          <p:cNvCxnSpPr/>
+          <p:nvPr/>
+        </p:nvCxnSpPr>
+        <p:spPr>
+          <a:xfrm>
+            <a:off x="1238513" y="4128725"/>
+            <a:ext cx="0" cy="199345"/>
+          </a:xfrm>
+          <a:prstGeom prst="line">
+            <a:avLst/>
+          </a:prstGeom>
+        </p:spPr>
+        <p:style>
+          <a:lnRef idx="1">
+            <a:schemeClr val="accent1"/>
+          </a:lnRef>
+          <a:fillRef idx="0">
+            <a:schemeClr val="accent1"/>
+          </a:fillRef>
+          <a:effectRef idx="0">
+            <a:schemeClr val="accent1"/>
+          </a:effectRef>
+          <a:fontRef idx="minor">
+            <a:schemeClr val="tx1"/>
+          </a:fontRef>
+        </p:style>
+      </p:cxnSp>
+      <p:sp>
+        <p:nvSpPr>
+          <p:cNvPr id="107" name="TextBox 106">
+            <a:extLst>
+              <a:ext uri="{FF2B5EF4-FFF2-40B4-BE49-F238E27FC236}">
+                <a16:creationId xmlns:a16="http://schemas.microsoft.com/office/drawing/2014/main" id="{591E13DD-C01D-AF4C-9329-2B298758A6CB}"/>
+              </a:ext>
+            </a:extLst>
+          </p:cNvPr>
+          <p:cNvSpPr txBox="1"/>
+          <p:nvPr/>
+        </p:nvSpPr>
+        <p:spPr>
+          <a:xfrm>
+            <a:off x="664959" y="5299800"/>
+            <a:ext cx="1147109" cy="369332"/>
+          </a:xfrm>
+          <a:prstGeom prst="rect">
+            <a:avLst/>
+          </a:prstGeom>
+          <a:noFill/>
+        </p:spPr>
+        <p:txBody>
+          <a:bodyPr wrap="none" rtlCol="0">
+            <a:spAutoFit/>
+          </a:bodyPr>
+          <a:lstStyle/>
+          <a:p>
+            <a:r>
+              <a:rPr lang="en-US" dirty="0"/>
+              <a:t>Hostname</a:t>
+            </a:r>
+          </a:p>
+        </p:txBody>
+      </p:sp>
+      <p:cxnSp>
+        <p:nvCxnSpPr>
+          <p:cNvPr id="109" name="Straight Connector 108">
+            <a:extLst>
+              <a:ext uri="{FF2B5EF4-FFF2-40B4-BE49-F238E27FC236}">
+                <a16:creationId xmlns:a16="http://schemas.microsoft.com/office/drawing/2014/main" id="{4E118943-7F19-0043-9152-59C73B45A3DD}"/>
+              </a:ext>
+            </a:extLst>
+          </p:cNvPr>
+          <p:cNvCxnSpPr/>
+          <p:nvPr/>
+        </p:nvCxnSpPr>
+        <p:spPr>
+          <a:xfrm>
+            <a:off x="1238513" y="5669132"/>
+            <a:ext cx="0" cy="192804"/>
+          </a:xfrm>
+          <a:prstGeom prst="line">
+            <a:avLst/>
+          </a:prstGeom>
+        </p:spPr>
+        <p:style>
+          <a:lnRef idx="1">
+            <a:schemeClr val="accent1"/>
+          </a:lnRef>
+          <a:fillRef idx="0">
+            <a:schemeClr val="accent1"/>
+          </a:fillRef>
+          <a:effectRef idx="0">
+            <a:schemeClr val="accent1"/>
+          </a:effectRef>
+          <a:fontRef idx="minor">
+            <a:schemeClr val="tx1"/>
+          </a:fontRef>
+        </p:style>
+      </p:cxnSp>
+      <p:cxnSp>
+        <p:nvCxnSpPr>
+          <p:cNvPr id="46" name="Straight Connector 45">
+            <a:extLst>
+              <a:ext uri="{FF2B5EF4-FFF2-40B4-BE49-F238E27FC236}">
+                <a16:creationId xmlns:a16="http://schemas.microsoft.com/office/drawing/2014/main" id="{9297217F-E776-A649-87C3-3BB2E17974A9}"/>
+              </a:ext>
+            </a:extLst>
+          </p:cNvPr>
+          <p:cNvCxnSpPr>
+            <a:cxnSpLocks/>
+            <a:stCxn id="19" idx="3"/>
+            <a:endCxn id="38" idx="1"/>
+          </p:cNvCxnSpPr>
+          <p:nvPr/>
+        </p:nvCxnSpPr>
+        <p:spPr>
+          <a:xfrm flipV="1">
+            <a:off x="3713293" y="1035684"/>
+            <a:ext cx="226122" cy="1"/>
+          </a:xfrm>
+          <a:prstGeom prst="line">
+            <a:avLst/>
+          </a:prstGeom>
+        </p:spPr>
+        <p:style>
+          <a:lnRef idx="1">
+            <a:schemeClr val="accent1"/>
+          </a:lnRef>
+          <a:fillRef idx="0">
+            <a:schemeClr val="accent1"/>
+          </a:fillRef>
+          <a:effectRef idx="0">
+            <a:schemeClr val="accent1"/>
+          </a:effectRef>
+          <a:fontRef idx="minor">
+            <a:schemeClr val="tx1"/>
+          </a:fontRef>
+        </p:style>
+      </p:cxnSp>
+      <p:cxnSp>
+        <p:nvCxnSpPr>
+          <p:cNvPr id="48" name="Straight Connector 47">
+            <a:extLst>
+              <a:ext uri="{FF2B5EF4-FFF2-40B4-BE49-F238E27FC236}">
+                <a16:creationId xmlns:a16="http://schemas.microsoft.com/office/drawing/2014/main" id="{8382D462-55A7-7C4B-B09F-013187683700}"/>
+              </a:ext>
+            </a:extLst>
+          </p:cNvPr>
+          <p:cNvCxnSpPr>
+            <a:cxnSpLocks/>
+            <a:stCxn id="49" idx="3"/>
+          </p:cNvCxnSpPr>
+          <p:nvPr/>
+        </p:nvCxnSpPr>
+        <p:spPr>
+          <a:xfrm>
+            <a:off x="5214185" y="1035684"/>
+            <a:ext cx="358712" cy="0"/>
           </a:xfrm>
           <a:prstGeom prst="line">
             <a:avLst/>
@@ -6191,10 +6880,10 @@
       </p:grpSpPr>
       <p:pic>
         <p:nvPicPr>
-          <p:cNvPr id="2" name="Picture 1">
-            <a:extLst>
-              <a:ext uri="{FF2B5EF4-FFF2-40B4-BE49-F238E27FC236}">
-                <a16:creationId xmlns:a16="http://schemas.microsoft.com/office/drawing/2014/main" id="{D51E8901-6623-A143-AB69-50DEC0E7E1F1}"/>
+          <p:cNvPr id="4" name="Picture 3">
+            <a:extLst>
+              <a:ext uri="{FF2B5EF4-FFF2-40B4-BE49-F238E27FC236}">
+                <a16:creationId xmlns:a16="http://schemas.microsoft.com/office/drawing/2014/main" id="{5110F769-AD01-CB40-8BE9-C3CE95591BD8}"/>
               </a:ext>
             </a:extLst>
           </p:cNvPr>
@@ -6211,8 +6900,8 @@
         </p:blipFill>
         <p:spPr>
           <a:xfrm>
-            <a:off x="157480" y="260350"/>
-            <a:ext cx="8470900" cy="6337300"/>
+            <a:off x="2165350" y="450850"/>
+            <a:ext cx="7861300" cy="5956300"/>
           </a:xfrm>
           <a:prstGeom prst="rect">
             <a:avLst/>
@@ -6251,10 +6940,10 @@
       </p:grpSpPr>
       <p:pic>
         <p:nvPicPr>
-          <p:cNvPr id="5" name="Picture 4">
-            <a:extLst>
-              <a:ext uri="{FF2B5EF4-FFF2-40B4-BE49-F238E27FC236}">
-                <a16:creationId xmlns:a16="http://schemas.microsoft.com/office/drawing/2014/main" id="{115EDD8A-2E55-A542-B220-F16E65B95950}"/>
+          <p:cNvPr id="3" name="Picture 2">
+            <a:extLst>
+              <a:ext uri="{FF2B5EF4-FFF2-40B4-BE49-F238E27FC236}">
+                <a16:creationId xmlns:a16="http://schemas.microsoft.com/office/drawing/2014/main" id="{32F6E2A8-036B-1543-8D46-C06D7943EFB3}"/>
               </a:ext>
             </a:extLst>
           </p:cNvPr>
@@ -6271,8 +6960,8 @@
         </p:blipFill>
         <p:spPr>
           <a:xfrm>
-            <a:off x="468630" y="254000"/>
-            <a:ext cx="7391400" cy="6464300"/>
+            <a:off x="2705100" y="450850"/>
+            <a:ext cx="6781800" cy="5956300"/>
           </a:xfrm>
           <a:prstGeom prst="rect">
             <a:avLst/>
@@ -6311,10 +7000,10 @@
       </p:grpSpPr>
       <p:pic>
         <p:nvPicPr>
-          <p:cNvPr id="2" name="Picture 1">
-            <a:extLst>
-              <a:ext uri="{FF2B5EF4-FFF2-40B4-BE49-F238E27FC236}">
-                <a16:creationId xmlns:a16="http://schemas.microsoft.com/office/drawing/2014/main" id="{B72365FC-C5BC-4F4F-94C7-60B514829B72}"/>
+          <p:cNvPr id="5" name="Picture 4">
+            <a:extLst>
+              <a:ext uri="{FF2B5EF4-FFF2-40B4-BE49-F238E27FC236}">
+                <a16:creationId xmlns:a16="http://schemas.microsoft.com/office/drawing/2014/main" id="{06047370-8C47-214F-9D09-022A0138440C}"/>
               </a:ext>
             </a:extLst>
           </p:cNvPr>
@@ -6331,8 +7020,8 @@
         </p:blipFill>
         <p:spPr>
           <a:xfrm>
-            <a:off x="1018540" y="392430"/>
-            <a:ext cx="6794500" cy="5524500"/>
+            <a:off x="3581400" y="450850"/>
+            <a:ext cx="5029200" cy="5956300"/>
           </a:xfrm>
           <a:prstGeom prst="rect">
             <a:avLst/>
@@ -6343,6 +7032,66 @@
     <p:extLst>
       <p:ext uri="{BB962C8B-B14F-4D97-AF65-F5344CB8AC3E}">
         <p14:creationId xmlns:p14="http://schemas.microsoft.com/office/powerpoint/2010/main" val="3071618879"/>
+      </p:ext>
+    </p:extLst>
+  </p:cSld>
+  <p:clrMapOvr>
+    <a:masterClrMapping/>
+  </p:clrMapOvr>
+</p:sld>
+</file>
+
+<file path=ppt/slides/slide5.xml><?xml version="1.0" encoding="utf-8"?>
+<p:sld xmlns:a="http://schemas.openxmlformats.org/drawingml/2006/main" xmlns:r="http://schemas.openxmlformats.org/officeDocument/2006/relationships" xmlns:p="http://schemas.openxmlformats.org/presentationml/2006/main">
+  <p:cSld>
+    <p:spTree>
+      <p:nvGrpSpPr>
+        <p:cNvPr id="1" name=""/>
+        <p:cNvGrpSpPr/>
+        <p:nvPr/>
+      </p:nvGrpSpPr>
+      <p:grpSpPr>
+        <a:xfrm>
+          <a:off x="0" y="0"/>
+          <a:ext cx="0" cy="0"/>
+          <a:chOff x="0" y="0"/>
+          <a:chExt cx="0" cy="0"/>
+        </a:xfrm>
+      </p:grpSpPr>
+      <p:pic>
+        <p:nvPicPr>
+          <p:cNvPr id="7" name="Picture 6">
+            <a:extLst>
+              <a:ext uri="{FF2B5EF4-FFF2-40B4-BE49-F238E27FC236}">
+                <a16:creationId xmlns:a16="http://schemas.microsoft.com/office/drawing/2014/main" id="{EC3122CA-186A-4444-A88F-502125CAC83C}"/>
+              </a:ext>
+            </a:extLst>
+          </p:cNvPr>
+          <p:cNvPicPr>
+            <a:picLocks noChangeAspect="1"/>
+          </p:cNvPicPr>
+          <p:nvPr/>
+        </p:nvPicPr>
+        <p:blipFill>
+          <a:blip r:embed="rId2"/>
+          <a:stretch>
+            <a:fillRect/>
+          </a:stretch>
+        </p:blipFill>
+        <p:spPr>
+          <a:xfrm>
+            <a:off x="4311650" y="450850"/>
+            <a:ext cx="3568700" cy="5956300"/>
+          </a:xfrm>
+          <a:prstGeom prst="rect">
+            <a:avLst/>
+          </a:prstGeom>
+        </p:spPr>
+      </p:pic>
+    </p:spTree>
+    <p:extLst>
+      <p:ext uri="{BB962C8B-B14F-4D97-AF65-F5344CB8AC3E}">
+        <p14:creationId xmlns:p14="http://schemas.microsoft.com/office/powerpoint/2010/main" val="2906055141"/>
       </p:ext>
     </p:extLst>
   </p:cSld>

--- a/figs/drawings.pptx
+++ b/figs/drawings.pptx
@@ -10,6 +10,7 @@
     <p:sldId id="258" r:id="rId4"/>
     <p:sldId id="257" r:id="rId5"/>
     <p:sldId id="260" r:id="rId6"/>
+    <p:sldId id="261" r:id="rId7"/>
   </p:sldIdLst>
   <p:sldSz cx="12192000" cy="6858000"/>
   <p:notesSz cx="6858000" cy="9144000"/>
@@ -263,7 +264,7 @@
           <a:p>
             <a:fld id="{4597F392-DBDF-6842-8400-5A8310564639}" type="datetimeFigureOut">
               <a:rPr lang="en-US" smtClean="0"/>
-              <a:t>1/16/19</a:t>
+              <a:t>1/25/19</a:t>
             </a:fld>
             <a:endParaRPr lang="en-US" dirty="0"/>
           </a:p>
@@ -461,7 +462,7 @@
           <a:p>
             <a:fld id="{4597F392-DBDF-6842-8400-5A8310564639}" type="datetimeFigureOut">
               <a:rPr lang="en-US" smtClean="0"/>
-              <a:t>1/16/19</a:t>
+              <a:t>1/25/19</a:t>
             </a:fld>
             <a:endParaRPr lang="en-US" dirty="0"/>
           </a:p>
@@ -669,7 +670,7 @@
           <a:p>
             <a:fld id="{4597F392-DBDF-6842-8400-5A8310564639}" type="datetimeFigureOut">
               <a:rPr lang="en-US" smtClean="0"/>
-              <a:t>1/16/19</a:t>
+              <a:t>1/25/19</a:t>
             </a:fld>
             <a:endParaRPr lang="en-US" dirty="0"/>
           </a:p>
@@ -867,7 +868,7 @@
           <a:p>
             <a:fld id="{4597F392-DBDF-6842-8400-5A8310564639}" type="datetimeFigureOut">
               <a:rPr lang="en-US" smtClean="0"/>
-              <a:t>1/16/19</a:t>
+              <a:t>1/25/19</a:t>
             </a:fld>
             <a:endParaRPr lang="en-US" dirty="0"/>
           </a:p>
@@ -1142,7 +1143,7 @@
           <a:p>
             <a:fld id="{4597F392-DBDF-6842-8400-5A8310564639}" type="datetimeFigureOut">
               <a:rPr lang="en-US" smtClean="0"/>
-              <a:t>1/16/19</a:t>
+              <a:t>1/25/19</a:t>
             </a:fld>
             <a:endParaRPr lang="en-US" dirty="0"/>
           </a:p>
@@ -1407,7 +1408,7 @@
           <a:p>
             <a:fld id="{4597F392-DBDF-6842-8400-5A8310564639}" type="datetimeFigureOut">
               <a:rPr lang="en-US" smtClean="0"/>
-              <a:t>1/16/19</a:t>
+              <a:t>1/25/19</a:t>
             </a:fld>
             <a:endParaRPr lang="en-US" dirty="0"/>
           </a:p>
@@ -1819,7 +1820,7 @@
           <a:p>
             <a:fld id="{4597F392-DBDF-6842-8400-5A8310564639}" type="datetimeFigureOut">
               <a:rPr lang="en-US" smtClean="0"/>
-              <a:t>1/16/19</a:t>
+              <a:t>1/25/19</a:t>
             </a:fld>
             <a:endParaRPr lang="en-US" dirty="0"/>
           </a:p>
@@ -1960,7 +1961,7 @@
           <a:p>
             <a:fld id="{4597F392-DBDF-6842-8400-5A8310564639}" type="datetimeFigureOut">
               <a:rPr lang="en-US" smtClean="0"/>
-              <a:t>1/16/19</a:t>
+              <a:t>1/25/19</a:t>
             </a:fld>
             <a:endParaRPr lang="en-US" dirty="0"/>
           </a:p>
@@ -2073,7 +2074,7 @@
           <a:p>
             <a:fld id="{4597F392-DBDF-6842-8400-5A8310564639}" type="datetimeFigureOut">
               <a:rPr lang="en-US" smtClean="0"/>
-              <a:t>1/16/19</a:t>
+              <a:t>1/25/19</a:t>
             </a:fld>
             <a:endParaRPr lang="en-US" dirty="0"/>
           </a:p>
@@ -2384,7 +2385,7 @@
           <a:p>
             <a:fld id="{4597F392-DBDF-6842-8400-5A8310564639}" type="datetimeFigureOut">
               <a:rPr lang="en-US" smtClean="0"/>
-              <a:t>1/16/19</a:t>
+              <a:t>1/25/19</a:t>
             </a:fld>
             <a:endParaRPr lang="en-US" dirty="0"/>
           </a:p>
@@ -2672,7 +2673,7 @@
           <a:p>
             <a:fld id="{4597F392-DBDF-6842-8400-5A8310564639}" type="datetimeFigureOut">
               <a:rPr lang="en-US" smtClean="0"/>
-              <a:t>1/16/19</a:t>
+              <a:t>1/25/19</a:t>
             </a:fld>
             <a:endParaRPr lang="en-US" dirty="0"/>
           </a:p>
@@ -2913,7 +2914,7 @@
           <a:p>
             <a:fld id="{4597F392-DBDF-6842-8400-5A8310564639}" type="datetimeFigureOut">
               <a:rPr lang="en-US" smtClean="0"/>
-              <a:t>1/16/19</a:t>
+              <a:t>1/25/19</a:t>
             </a:fld>
             <a:endParaRPr lang="en-US" dirty="0"/>
           </a:p>
@@ -7101,6 +7102,1788 @@
 </p:sld>
 </file>
 
+<file path=ppt/slides/slide6.xml><?xml version="1.0" encoding="utf-8"?>
+<p:sld xmlns:a="http://schemas.openxmlformats.org/drawingml/2006/main" xmlns:r="http://schemas.openxmlformats.org/officeDocument/2006/relationships" xmlns:p="http://schemas.openxmlformats.org/presentationml/2006/main">
+  <p:cSld>
+    <p:spTree>
+      <p:nvGrpSpPr>
+        <p:cNvPr id="1" name=""/>
+        <p:cNvGrpSpPr/>
+        <p:nvPr/>
+      </p:nvGrpSpPr>
+      <p:grpSpPr>
+        <a:xfrm>
+          <a:off x="0" y="0"/>
+          <a:ext cx="0" cy="0"/>
+          <a:chOff x="0" y="0"/>
+          <a:chExt cx="0" cy="0"/>
+        </a:xfrm>
+      </p:grpSpPr>
+      <p:sp>
+        <p:nvSpPr>
+          <p:cNvPr id="4" name="TextBox 3">
+            <a:extLst>
+              <a:ext uri="{FF2B5EF4-FFF2-40B4-BE49-F238E27FC236}">
+                <a16:creationId xmlns:a16="http://schemas.microsoft.com/office/drawing/2014/main" id="{A3483589-1922-6F42-83C8-650708800853}"/>
+              </a:ext>
+            </a:extLst>
+          </p:cNvPr>
+          <p:cNvSpPr txBox="1"/>
+          <p:nvPr/>
+        </p:nvSpPr>
+        <p:spPr>
+          <a:xfrm>
+            <a:off x="1151085" y="851018"/>
+            <a:ext cx="1109984" cy="369332"/>
+          </a:xfrm>
+          <a:prstGeom prst="rect">
+            <a:avLst/>
+          </a:prstGeom>
+          <a:noFill/>
+          <a:ln w="28575">
+            <a:solidFill>
+              <a:srgbClr val="00B050"/>
+            </a:solidFill>
+          </a:ln>
+        </p:spPr>
+        <p:txBody>
+          <a:bodyPr wrap="none" rtlCol="0">
+            <a:spAutoFit/>
+          </a:bodyPr>
+          <a:lstStyle/>
+          <a:p>
+            <a:r>
+              <a:rPr lang="en-US" dirty="0"/>
+              <a:t>PMIx_Get</a:t>
+            </a:r>
+          </a:p>
+        </p:txBody>
+      </p:sp>
+      <p:sp>
+        <p:nvSpPr>
+          <p:cNvPr id="5" name="TextBox 4">
+            <a:extLst>
+              <a:ext uri="{FF2B5EF4-FFF2-40B4-BE49-F238E27FC236}">
+                <a16:creationId xmlns:a16="http://schemas.microsoft.com/office/drawing/2014/main" id="{B57A6A91-4113-D846-9746-0684BB02A3B8}"/>
+              </a:ext>
+            </a:extLst>
+          </p:cNvPr>
+          <p:cNvSpPr txBox="1"/>
+          <p:nvPr/>
+        </p:nvSpPr>
+        <p:spPr>
+          <a:xfrm>
+            <a:off x="1343093" y="1721795"/>
+            <a:ext cx="725968" cy="646331"/>
+          </a:xfrm>
+          <a:prstGeom prst="rect">
+            <a:avLst/>
+          </a:prstGeom>
+          <a:noFill/>
+          <a:ln w="28575">
+            <a:solidFill>
+              <a:srgbClr val="00B050"/>
+            </a:solidFill>
+          </a:ln>
+        </p:spPr>
+        <p:txBody>
+          <a:bodyPr wrap="none" rtlCol="0">
+            <a:spAutoFit/>
+          </a:bodyPr>
+          <a:lstStyle/>
+          <a:p>
+            <a:pPr algn="ctr"/>
+            <a:r>
+              <a:rPr lang="en-US" dirty="0"/>
+              <a:t>Client</a:t>
+            </a:r>
+          </a:p>
+          <a:p>
+            <a:pPr algn="ctr"/>
+            <a:r>
+              <a:rPr lang="en-US" dirty="0"/>
+              <a:t>Level</a:t>
+            </a:r>
+          </a:p>
+        </p:txBody>
+      </p:sp>
+      <p:sp>
+        <p:nvSpPr>
+          <p:cNvPr id="6" name="TextBox 5">
+            <a:extLst>
+              <a:ext uri="{FF2B5EF4-FFF2-40B4-BE49-F238E27FC236}">
+                <a16:creationId xmlns:a16="http://schemas.microsoft.com/office/drawing/2014/main" id="{06C79402-E2BB-D742-8F94-B9A21876D25C}"/>
+              </a:ext>
+            </a:extLst>
+          </p:cNvPr>
+          <p:cNvSpPr txBox="1"/>
+          <p:nvPr/>
+        </p:nvSpPr>
+        <p:spPr>
+          <a:xfrm>
+            <a:off x="1313245" y="2869572"/>
+            <a:ext cx="785664" cy="646331"/>
+          </a:xfrm>
+          <a:prstGeom prst="rect">
+            <a:avLst/>
+          </a:prstGeom>
+          <a:noFill/>
+          <a:ln w="28575">
+            <a:solidFill>
+              <a:srgbClr val="00B050"/>
+            </a:solidFill>
+          </a:ln>
+        </p:spPr>
+        <p:txBody>
+          <a:bodyPr wrap="none" rtlCol="0">
+            <a:spAutoFit/>
+          </a:bodyPr>
+          <a:lstStyle/>
+          <a:p>
+            <a:pPr algn="ctr"/>
+            <a:r>
+              <a:rPr lang="en-US" dirty="0"/>
+              <a:t>Server</a:t>
+            </a:r>
+          </a:p>
+          <a:p>
+            <a:pPr algn="ctr"/>
+            <a:r>
+              <a:rPr lang="en-US" dirty="0"/>
+              <a:t>Level</a:t>
+            </a:r>
+          </a:p>
+        </p:txBody>
+      </p:sp>
+      <p:cxnSp>
+        <p:nvCxnSpPr>
+          <p:cNvPr id="11" name="Straight Connector 10">
+            <a:extLst>
+              <a:ext uri="{FF2B5EF4-FFF2-40B4-BE49-F238E27FC236}">
+                <a16:creationId xmlns:a16="http://schemas.microsoft.com/office/drawing/2014/main" id="{A85FB9B0-F0F8-434D-A732-B9F83A8B1549}"/>
+              </a:ext>
+            </a:extLst>
+          </p:cNvPr>
+          <p:cNvCxnSpPr>
+            <a:stCxn id="4" idx="2"/>
+            <a:endCxn id="5" idx="0"/>
+          </p:cNvCxnSpPr>
+          <p:nvPr/>
+        </p:nvCxnSpPr>
+        <p:spPr>
+          <a:xfrm>
+            <a:off x="1706077" y="1220350"/>
+            <a:ext cx="0" cy="501445"/>
+          </a:xfrm>
+          <a:prstGeom prst="line">
+            <a:avLst/>
+          </a:prstGeom>
+          <a:ln/>
+        </p:spPr>
+        <p:style>
+          <a:lnRef idx="3">
+            <a:schemeClr val="accent2"/>
+          </a:lnRef>
+          <a:fillRef idx="0">
+            <a:schemeClr val="accent2"/>
+          </a:fillRef>
+          <a:effectRef idx="2">
+            <a:schemeClr val="accent2"/>
+          </a:effectRef>
+          <a:fontRef idx="minor">
+            <a:schemeClr val="tx1"/>
+          </a:fontRef>
+        </p:style>
+      </p:cxnSp>
+      <p:cxnSp>
+        <p:nvCxnSpPr>
+          <p:cNvPr id="13" name="Straight Connector 12">
+            <a:extLst>
+              <a:ext uri="{FF2B5EF4-FFF2-40B4-BE49-F238E27FC236}">
+                <a16:creationId xmlns:a16="http://schemas.microsoft.com/office/drawing/2014/main" id="{41F133E3-4D70-CB47-8A8B-32756BA9223D}"/>
+              </a:ext>
+            </a:extLst>
+          </p:cNvPr>
+          <p:cNvCxnSpPr>
+            <a:stCxn id="5" idx="2"/>
+            <a:endCxn id="6" idx="0"/>
+          </p:cNvCxnSpPr>
+          <p:nvPr/>
+        </p:nvCxnSpPr>
+        <p:spPr>
+          <a:xfrm>
+            <a:off x="1706077" y="2368126"/>
+            <a:ext cx="0" cy="501446"/>
+          </a:xfrm>
+          <a:prstGeom prst="line">
+            <a:avLst/>
+          </a:prstGeom>
+          <a:ln/>
+        </p:spPr>
+        <p:style>
+          <a:lnRef idx="3">
+            <a:schemeClr val="accent2"/>
+          </a:lnRef>
+          <a:fillRef idx="0">
+            <a:schemeClr val="accent2"/>
+          </a:fillRef>
+          <a:effectRef idx="2">
+            <a:schemeClr val="accent2"/>
+          </a:effectRef>
+          <a:fontRef idx="minor">
+            <a:schemeClr val="tx1"/>
+          </a:fontRef>
+        </p:style>
+      </p:cxnSp>
+      <p:cxnSp>
+        <p:nvCxnSpPr>
+          <p:cNvPr id="17" name="Straight Connector 16">
+            <a:extLst>
+              <a:ext uri="{FF2B5EF4-FFF2-40B4-BE49-F238E27FC236}">
+                <a16:creationId xmlns:a16="http://schemas.microsoft.com/office/drawing/2014/main" id="{94462E16-F161-4E45-A504-D8A410F9BE50}"/>
+              </a:ext>
+            </a:extLst>
+          </p:cNvPr>
+          <p:cNvCxnSpPr/>
+          <p:nvPr/>
+        </p:nvCxnSpPr>
+        <p:spPr>
+          <a:xfrm>
+            <a:off x="1400096" y="4032736"/>
+            <a:ext cx="551748" cy="0"/>
+          </a:xfrm>
+          <a:prstGeom prst="line">
+            <a:avLst/>
+          </a:prstGeom>
+        </p:spPr>
+        <p:style>
+          <a:lnRef idx="3">
+            <a:schemeClr val="accent2"/>
+          </a:lnRef>
+          <a:fillRef idx="0">
+            <a:schemeClr val="accent2"/>
+          </a:fillRef>
+          <a:effectRef idx="2">
+            <a:schemeClr val="accent2"/>
+          </a:effectRef>
+          <a:fontRef idx="minor">
+            <a:schemeClr val="tx1"/>
+          </a:fontRef>
+        </p:style>
+      </p:cxnSp>
+      <p:sp>
+        <p:nvSpPr>
+          <p:cNvPr id="18" name="TextBox 17">
+            <a:extLst>
+              <a:ext uri="{FF2B5EF4-FFF2-40B4-BE49-F238E27FC236}">
+                <a16:creationId xmlns:a16="http://schemas.microsoft.com/office/drawing/2014/main" id="{7741446F-188A-2041-AD56-5E189011FCAB}"/>
+              </a:ext>
+            </a:extLst>
+          </p:cNvPr>
+          <p:cNvSpPr txBox="1"/>
+          <p:nvPr/>
+        </p:nvSpPr>
+        <p:spPr>
+          <a:xfrm>
+            <a:off x="2020661" y="3878848"/>
+            <a:ext cx="938462" cy="307777"/>
+          </a:xfrm>
+          <a:prstGeom prst="rect">
+            <a:avLst/>
+          </a:prstGeom>
+          <a:noFill/>
+        </p:spPr>
+        <p:txBody>
+          <a:bodyPr wrap="none" rtlCol="0">
+            <a:spAutoFit/>
+          </a:bodyPr>
+          <a:lstStyle/>
+          <a:p>
+            <a:r>
+              <a:rPr lang="en-US" sz="1400" dirty="0"/>
+              <a:t>Data array</a:t>
+            </a:r>
+          </a:p>
+        </p:txBody>
+      </p:sp>
+      <p:sp>
+        <p:nvSpPr>
+          <p:cNvPr id="19" name="Rectangle 18">
+            <a:extLst>
+              <a:ext uri="{FF2B5EF4-FFF2-40B4-BE49-F238E27FC236}">
+                <a16:creationId xmlns:a16="http://schemas.microsoft.com/office/drawing/2014/main" id="{F3DF7FAC-11CE-0C44-A079-86786780F889}"/>
+              </a:ext>
+            </a:extLst>
+          </p:cNvPr>
+          <p:cNvSpPr/>
+          <p:nvPr/>
+        </p:nvSpPr>
+        <p:spPr>
+          <a:xfrm>
+            <a:off x="1400096" y="4219218"/>
+            <a:ext cx="551748" cy="253484"/>
+          </a:xfrm>
+          <a:prstGeom prst="rect">
+            <a:avLst/>
+          </a:prstGeom>
+          <a:noFill/>
+          <a:ln w="28575">
+            <a:solidFill>
+              <a:srgbClr val="00B050"/>
+            </a:solidFill>
+          </a:ln>
+        </p:spPr>
+        <p:style>
+          <a:lnRef idx="2">
+            <a:schemeClr val="accent1">
+              <a:shade val="50000"/>
+            </a:schemeClr>
+          </a:lnRef>
+          <a:fillRef idx="1">
+            <a:schemeClr val="accent1"/>
+          </a:fillRef>
+          <a:effectRef idx="0">
+            <a:schemeClr val="accent1"/>
+          </a:effectRef>
+          <a:fontRef idx="minor">
+            <a:schemeClr val="lt1"/>
+          </a:fontRef>
+        </p:style>
+        <p:txBody>
+          <a:bodyPr rtlCol="0" anchor="ctr"/>
+          <a:lstStyle/>
+          <a:p>
+            <a:pPr algn="ctr"/>
+            <a:endParaRPr lang="en-US" dirty="0"/>
+          </a:p>
+        </p:txBody>
+      </p:sp>
+      <p:sp>
+        <p:nvSpPr>
+          <p:cNvPr id="20" name="TextBox 19">
+            <a:extLst>
+              <a:ext uri="{FF2B5EF4-FFF2-40B4-BE49-F238E27FC236}">
+                <a16:creationId xmlns:a16="http://schemas.microsoft.com/office/drawing/2014/main" id="{A9506E9B-AE8B-2945-944E-AF7979175CC7}"/>
+              </a:ext>
+            </a:extLst>
+          </p:cNvPr>
+          <p:cNvSpPr txBox="1"/>
+          <p:nvPr/>
+        </p:nvSpPr>
+        <p:spPr>
+          <a:xfrm>
+            <a:off x="2020661" y="4192072"/>
+            <a:ext cx="1063112" cy="307777"/>
+          </a:xfrm>
+          <a:prstGeom prst="rect">
+            <a:avLst/>
+          </a:prstGeom>
+          <a:noFill/>
+        </p:spPr>
+        <p:txBody>
+          <a:bodyPr wrap="none" rtlCol="0">
+            <a:spAutoFit/>
+          </a:bodyPr>
+          <a:lstStyle/>
+          <a:p>
+            <a:r>
+              <a:rPr lang="en-US" sz="1400" dirty="0"/>
+              <a:t>pmix_info_t</a:t>
+            </a:r>
+          </a:p>
+        </p:txBody>
+      </p:sp>
+      <p:sp>
+        <p:nvSpPr>
+          <p:cNvPr id="21" name="TextBox 20">
+            <a:extLst>
+              <a:ext uri="{FF2B5EF4-FFF2-40B4-BE49-F238E27FC236}">
+                <a16:creationId xmlns:a16="http://schemas.microsoft.com/office/drawing/2014/main" id="{9F7DCBBB-3EEB-8047-A18D-280D464A30A8}"/>
+              </a:ext>
+            </a:extLst>
+          </p:cNvPr>
+          <p:cNvSpPr txBox="1"/>
+          <p:nvPr/>
+        </p:nvSpPr>
+        <p:spPr>
+          <a:xfrm>
+            <a:off x="178517" y="254831"/>
+            <a:ext cx="881395" cy="523220"/>
+          </a:xfrm>
+          <a:prstGeom prst="rect">
+            <a:avLst/>
+          </a:prstGeom>
+          <a:noFill/>
+        </p:spPr>
+        <p:txBody>
+          <a:bodyPr wrap="none" rtlCol="0">
+            <a:spAutoFit/>
+          </a:bodyPr>
+          <a:lstStyle/>
+          <a:p>
+            <a:pPr algn="ctr"/>
+            <a:r>
+              <a:rPr lang="en-US" sz="1400" dirty="0"/>
+              <a:t>Returned</a:t>
+            </a:r>
+          </a:p>
+          <a:p>
+            <a:pPr algn="ctr"/>
+            <a:r>
+              <a:rPr lang="en-US" sz="1400" dirty="0"/>
+              <a:t>Info array</a:t>
+            </a:r>
+          </a:p>
+        </p:txBody>
+      </p:sp>
+      <p:cxnSp>
+        <p:nvCxnSpPr>
+          <p:cNvPr id="23" name="Elbow Connector 22">
+            <a:extLst>
+              <a:ext uri="{FF2B5EF4-FFF2-40B4-BE49-F238E27FC236}">
+                <a16:creationId xmlns:a16="http://schemas.microsoft.com/office/drawing/2014/main" id="{E3056230-0D04-A04B-AFBB-6E470BF6FA0F}"/>
+              </a:ext>
+            </a:extLst>
+          </p:cNvPr>
+          <p:cNvCxnSpPr>
+            <a:stCxn id="21" idx="2"/>
+            <a:endCxn id="4" idx="1"/>
+          </p:cNvCxnSpPr>
+          <p:nvPr/>
+        </p:nvCxnSpPr>
+        <p:spPr>
+          <a:xfrm rot="16200000" flipH="1">
+            <a:off x="756334" y="640932"/>
+            <a:ext cx="257633" cy="531870"/>
+          </a:xfrm>
+          <a:prstGeom prst="bentConnector2">
+            <a:avLst/>
+          </a:prstGeom>
+        </p:spPr>
+        <p:style>
+          <a:lnRef idx="1">
+            <a:schemeClr val="accent1"/>
+          </a:lnRef>
+          <a:fillRef idx="0">
+            <a:schemeClr val="accent1"/>
+          </a:fillRef>
+          <a:effectRef idx="0">
+            <a:schemeClr val="accent1"/>
+          </a:effectRef>
+          <a:fontRef idx="minor">
+            <a:schemeClr val="tx1"/>
+          </a:fontRef>
+        </p:style>
+      </p:cxnSp>
+      <p:sp>
+        <p:nvSpPr>
+          <p:cNvPr id="24" name="Rectangle 23">
+            <a:extLst>
+              <a:ext uri="{FF2B5EF4-FFF2-40B4-BE49-F238E27FC236}">
+                <a16:creationId xmlns:a16="http://schemas.microsoft.com/office/drawing/2014/main" id="{AA07468E-C8F5-D744-BB4B-D8D246D25617}"/>
+              </a:ext>
+            </a:extLst>
+          </p:cNvPr>
+          <p:cNvSpPr/>
+          <p:nvPr/>
+        </p:nvSpPr>
+        <p:spPr>
+          <a:xfrm>
+            <a:off x="1400096" y="4613759"/>
+            <a:ext cx="551748" cy="253484"/>
+          </a:xfrm>
+          <a:prstGeom prst="rect">
+            <a:avLst/>
+          </a:prstGeom>
+          <a:noFill/>
+          <a:ln w="28575">
+            <a:solidFill>
+              <a:srgbClr val="FF0000"/>
+            </a:solidFill>
+          </a:ln>
+        </p:spPr>
+        <p:style>
+          <a:lnRef idx="2">
+            <a:schemeClr val="accent1">
+              <a:shade val="50000"/>
+            </a:schemeClr>
+          </a:lnRef>
+          <a:fillRef idx="1">
+            <a:schemeClr val="accent1"/>
+          </a:fillRef>
+          <a:effectRef idx="0">
+            <a:schemeClr val="accent1"/>
+          </a:effectRef>
+          <a:fontRef idx="minor">
+            <a:schemeClr val="lt1"/>
+          </a:fontRef>
+        </p:style>
+        <p:txBody>
+          <a:bodyPr rtlCol="0" anchor="ctr"/>
+          <a:lstStyle/>
+          <a:p>
+            <a:pPr algn="ctr"/>
+            <a:endParaRPr lang="en-US" dirty="0"/>
+          </a:p>
+        </p:txBody>
+      </p:sp>
+      <p:sp>
+        <p:nvSpPr>
+          <p:cNvPr id="25" name="TextBox 24">
+            <a:extLst>
+              <a:ext uri="{FF2B5EF4-FFF2-40B4-BE49-F238E27FC236}">
+                <a16:creationId xmlns:a16="http://schemas.microsoft.com/office/drawing/2014/main" id="{823EAB2E-28BA-9C48-B78B-E44D80D53DF0}"/>
+              </a:ext>
+            </a:extLst>
+          </p:cNvPr>
+          <p:cNvSpPr txBox="1"/>
+          <p:nvPr/>
+        </p:nvSpPr>
+        <p:spPr>
+          <a:xfrm>
+            <a:off x="2020661" y="4586613"/>
+            <a:ext cx="1280800" cy="307777"/>
+          </a:xfrm>
+          <a:prstGeom prst="rect">
+            <a:avLst/>
+          </a:prstGeom>
+          <a:noFill/>
+        </p:spPr>
+        <p:txBody>
+          <a:bodyPr wrap="none" rtlCol="0">
+            <a:spAutoFit/>
+          </a:bodyPr>
+          <a:lstStyle/>
+          <a:p>
+            <a:r>
+              <a:rPr lang="en-US" sz="1400" dirty="0"/>
+              <a:t>pmix_regattr_t</a:t>
+            </a:r>
+          </a:p>
+        </p:txBody>
+      </p:sp>
+      <p:sp>
+        <p:nvSpPr>
+          <p:cNvPr id="26" name="TextBox 25">
+            <a:extLst>
+              <a:ext uri="{FF2B5EF4-FFF2-40B4-BE49-F238E27FC236}">
+                <a16:creationId xmlns:a16="http://schemas.microsoft.com/office/drawing/2014/main" id="{D14AC1F7-BCC8-314F-A10C-04324538ECF8}"/>
+              </a:ext>
+            </a:extLst>
+          </p:cNvPr>
+          <p:cNvSpPr txBox="1"/>
+          <p:nvPr/>
+        </p:nvSpPr>
+        <p:spPr>
+          <a:xfrm>
+            <a:off x="2504928" y="1860294"/>
+            <a:ext cx="659668" cy="369332"/>
+          </a:xfrm>
+          <a:prstGeom prst="rect">
+            <a:avLst/>
+          </a:prstGeom>
+          <a:noFill/>
+          <a:ln w="28575">
+            <a:solidFill>
+              <a:srgbClr val="FF0000"/>
+            </a:solidFill>
+          </a:ln>
+        </p:spPr>
+        <p:txBody>
+          <a:bodyPr wrap="none" rtlCol="0">
+            <a:spAutoFit/>
+          </a:bodyPr>
+          <a:lstStyle/>
+          <a:p>
+            <a:r>
+              <a:rPr lang="en-US" dirty="0"/>
+              <a:t>Attr1</a:t>
+            </a:r>
+          </a:p>
+        </p:txBody>
+      </p:sp>
+      <p:sp>
+        <p:nvSpPr>
+          <p:cNvPr id="27" name="TextBox 26">
+            <a:extLst>
+              <a:ext uri="{FF2B5EF4-FFF2-40B4-BE49-F238E27FC236}">
+                <a16:creationId xmlns:a16="http://schemas.microsoft.com/office/drawing/2014/main" id="{2D1B3FD3-6F64-7146-8979-B87B533F51DE}"/>
+              </a:ext>
+            </a:extLst>
+          </p:cNvPr>
+          <p:cNvSpPr txBox="1"/>
+          <p:nvPr/>
+        </p:nvSpPr>
+        <p:spPr>
+          <a:xfrm>
+            <a:off x="3447903" y="1860294"/>
+            <a:ext cx="659668" cy="369332"/>
+          </a:xfrm>
+          <a:prstGeom prst="rect">
+            <a:avLst/>
+          </a:prstGeom>
+          <a:noFill/>
+          <a:ln w="28575">
+            <a:solidFill>
+              <a:srgbClr val="FF0000"/>
+            </a:solidFill>
+          </a:ln>
+        </p:spPr>
+        <p:txBody>
+          <a:bodyPr wrap="none" rtlCol="0">
+            <a:spAutoFit/>
+          </a:bodyPr>
+          <a:lstStyle/>
+          <a:p>
+            <a:r>
+              <a:rPr lang="en-US" dirty="0"/>
+              <a:t>Attr2</a:t>
+            </a:r>
+          </a:p>
+        </p:txBody>
+      </p:sp>
+      <p:sp>
+        <p:nvSpPr>
+          <p:cNvPr id="28" name="TextBox 27">
+            <a:extLst>
+              <a:ext uri="{FF2B5EF4-FFF2-40B4-BE49-F238E27FC236}">
+                <a16:creationId xmlns:a16="http://schemas.microsoft.com/office/drawing/2014/main" id="{BA2DD757-7426-1142-B5FC-A9C1A3033086}"/>
+              </a:ext>
+            </a:extLst>
+          </p:cNvPr>
+          <p:cNvSpPr txBox="1"/>
+          <p:nvPr/>
+        </p:nvSpPr>
+        <p:spPr>
+          <a:xfrm>
+            <a:off x="2504928" y="3008071"/>
+            <a:ext cx="659668" cy="369332"/>
+          </a:xfrm>
+          <a:prstGeom prst="rect">
+            <a:avLst/>
+          </a:prstGeom>
+          <a:noFill/>
+          <a:ln w="28575">
+            <a:solidFill>
+              <a:srgbClr val="FF0000"/>
+            </a:solidFill>
+          </a:ln>
+        </p:spPr>
+        <p:txBody>
+          <a:bodyPr wrap="none" rtlCol="0">
+            <a:spAutoFit/>
+          </a:bodyPr>
+          <a:lstStyle/>
+          <a:p>
+            <a:r>
+              <a:rPr lang="en-US" dirty="0"/>
+              <a:t>Attr1</a:t>
+            </a:r>
+          </a:p>
+        </p:txBody>
+      </p:sp>
+      <p:cxnSp>
+        <p:nvCxnSpPr>
+          <p:cNvPr id="30" name="Straight Connector 29">
+            <a:extLst>
+              <a:ext uri="{FF2B5EF4-FFF2-40B4-BE49-F238E27FC236}">
+                <a16:creationId xmlns:a16="http://schemas.microsoft.com/office/drawing/2014/main" id="{34311AD0-A8F4-1844-9BD4-2D0CBE875717}"/>
+              </a:ext>
+            </a:extLst>
+          </p:cNvPr>
+          <p:cNvCxnSpPr>
+            <a:stCxn id="5" idx="3"/>
+            <a:endCxn id="26" idx="1"/>
+          </p:cNvCxnSpPr>
+          <p:nvPr/>
+        </p:nvCxnSpPr>
+        <p:spPr>
+          <a:xfrm flipV="1">
+            <a:off x="2069061" y="2044960"/>
+            <a:ext cx="435867" cy="1"/>
+          </a:xfrm>
+          <a:prstGeom prst="line">
+            <a:avLst/>
+          </a:prstGeom>
+        </p:spPr>
+        <p:style>
+          <a:lnRef idx="3">
+            <a:schemeClr val="accent2"/>
+          </a:lnRef>
+          <a:fillRef idx="0">
+            <a:schemeClr val="accent2"/>
+          </a:fillRef>
+          <a:effectRef idx="2">
+            <a:schemeClr val="accent2"/>
+          </a:effectRef>
+          <a:fontRef idx="minor">
+            <a:schemeClr val="tx1"/>
+          </a:fontRef>
+        </p:style>
+      </p:cxnSp>
+      <p:cxnSp>
+        <p:nvCxnSpPr>
+          <p:cNvPr id="32" name="Straight Connector 31">
+            <a:extLst>
+              <a:ext uri="{FF2B5EF4-FFF2-40B4-BE49-F238E27FC236}">
+                <a16:creationId xmlns:a16="http://schemas.microsoft.com/office/drawing/2014/main" id="{E394F3A3-AD3F-6140-8DC6-1E27C08A7080}"/>
+              </a:ext>
+            </a:extLst>
+          </p:cNvPr>
+          <p:cNvCxnSpPr>
+            <a:stCxn id="26" idx="3"/>
+            <a:endCxn id="27" idx="1"/>
+          </p:cNvCxnSpPr>
+          <p:nvPr/>
+        </p:nvCxnSpPr>
+        <p:spPr>
+          <a:xfrm>
+            <a:off x="3164596" y="2044960"/>
+            <a:ext cx="283307" cy="0"/>
+          </a:xfrm>
+          <a:prstGeom prst="line">
+            <a:avLst/>
+          </a:prstGeom>
+        </p:spPr>
+        <p:style>
+          <a:lnRef idx="3">
+            <a:schemeClr val="accent2"/>
+          </a:lnRef>
+          <a:fillRef idx="0">
+            <a:schemeClr val="accent2"/>
+          </a:fillRef>
+          <a:effectRef idx="2">
+            <a:schemeClr val="accent2"/>
+          </a:effectRef>
+          <a:fontRef idx="minor">
+            <a:schemeClr val="tx1"/>
+          </a:fontRef>
+        </p:style>
+      </p:cxnSp>
+      <p:cxnSp>
+        <p:nvCxnSpPr>
+          <p:cNvPr id="34" name="Straight Connector 33">
+            <a:extLst>
+              <a:ext uri="{FF2B5EF4-FFF2-40B4-BE49-F238E27FC236}">
+                <a16:creationId xmlns:a16="http://schemas.microsoft.com/office/drawing/2014/main" id="{3DBA2582-38FE-6C41-9BA1-3788AC715B24}"/>
+              </a:ext>
+            </a:extLst>
+          </p:cNvPr>
+          <p:cNvCxnSpPr>
+            <a:stCxn id="6" idx="3"/>
+            <a:endCxn id="28" idx="1"/>
+          </p:cNvCxnSpPr>
+          <p:nvPr/>
+        </p:nvCxnSpPr>
+        <p:spPr>
+          <a:xfrm flipV="1">
+            <a:off x="2098909" y="3192737"/>
+            <a:ext cx="406019" cy="1"/>
+          </a:xfrm>
+          <a:prstGeom prst="line">
+            <a:avLst/>
+          </a:prstGeom>
+        </p:spPr>
+        <p:style>
+          <a:lnRef idx="3">
+            <a:schemeClr val="accent2"/>
+          </a:lnRef>
+          <a:fillRef idx="0">
+            <a:schemeClr val="accent2"/>
+          </a:fillRef>
+          <a:effectRef idx="2">
+            <a:schemeClr val="accent2"/>
+          </a:effectRef>
+          <a:fontRef idx="minor">
+            <a:schemeClr val="tx1"/>
+          </a:fontRef>
+        </p:style>
+      </p:cxnSp>
+      <p:sp>
+        <p:nvSpPr>
+          <p:cNvPr id="35" name="TextBox 34">
+            <a:extLst>
+              <a:ext uri="{FF2B5EF4-FFF2-40B4-BE49-F238E27FC236}">
+                <a16:creationId xmlns:a16="http://schemas.microsoft.com/office/drawing/2014/main" id="{DBF0DB91-9D7E-1748-9D6D-64A798206895}"/>
+              </a:ext>
+            </a:extLst>
+          </p:cNvPr>
+          <p:cNvSpPr txBox="1"/>
+          <p:nvPr/>
+        </p:nvSpPr>
+        <p:spPr>
+          <a:xfrm>
+            <a:off x="4181943" y="844632"/>
+            <a:ext cx="1527854" cy="369332"/>
+          </a:xfrm>
+          <a:prstGeom prst="rect">
+            <a:avLst/>
+          </a:prstGeom>
+          <a:noFill/>
+          <a:ln w="28575">
+            <a:solidFill>
+              <a:srgbClr val="00B050"/>
+            </a:solidFill>
+          </a:ln>
+        </p:spPr>
+        <p:txBody>
+          <a:bodyPr wrap="none" rtlCol="0">
+            <a:spAutoFit/>
+          </a:bodyPr>
+          <a:lstStyle/>
+          <a:p>
+            <a:r>
+              <a:rPr lang="en-US" dirty="0"/>
+              <a:t>PMIx_Allocate</a:t>
+            </a:r>
+          </a:p>
+        </p:txBody>
+      </p:sp>
+      <p:sp>
+        <p:nvSpPr>
+          <p:cNvPr id="36" name="TextBox 35">
+            <a:extLst>
+              <a:ext uri="{FF2B5EF4-FFF2-40B4-BE49-F238E27FC236}">
+                <a16:creationId xmlns:a16="http://schemas.microsoft.com/office/drawing/2014/main" id="{713057B0-16A1-5245-8C50-8A7417D4963C}"/>
+              </a:ext>
+            </a:extLst>
+          </p:cNvPr>
+          <p:cNvSpPr txBox="1"/>
+          <p:nvPr/>
+        </p:nvSpPr>
+        <p:spPr>
+          <a:xfrm>
+            <a:off x="4582886" y="1721795"/>
+            <a:ext cx="725968" cy="646331"/>
+          </a:xfrm>
+          <a:prstGeom prst="rect">
+            <a:avLst/>
+          </a:prstGeom>
+          <a:noFill/>
+          <a:ln w="28575">
+            <a:solidFill>
+              <a:srgbClr val="00B050"/>
+            </a:solidFill>
+          </a:ln>
+        </p:spPr>
+        <p:txBody>
+          <a:bodyPr wrap="none" rtlCol="0">
+            <a:spAutoFit/>
+          </a:bodyPr>
+          <a:lstStyle/>
+          <a:p>
+            <a:pPr algn="ctr"/>
+            <a:r>
+              <a:rPr lang="en-US" dirty="0"/>
+              <a:t>Client</a:t>
+            </a:r>
+          </a:p>
+          <a:p>
+            <a:pPr algn="ctr"/>
+            <a:r>
+              <a:rPr lang="en-US" dirty="0"/>
+              <a:t>Level</a:t>
+            </a:r>
+          </a:p>
+        </p:txBody>
+      </p:sp>
+      <p:sp>
+        <p:nvSpPr>
+          <p:cNvPr id="37" name="TextBox 36">
+            <a:extLst>
+              <a:ext uri="{FF2B5EF4-FFF2-40B4-BE49-F238E27FC236}">
+                <a16:creationId xmlns:a16="http://schemas.microsoft.com/office/drawing/2014/main" id="{C8664B83-C52A-0041-8A2A-046873C9C7D2}"/>
+              </a:ext>
+            </a:extLst>
+          </p:cNvPr>
+          <p:cNvSpPr txBox="1"/>
+          <p:nvPr/>
+        </p:nvSpPr>
+        <p:spPr>
+          <a:xfrm>
+            <a:off x="4553038" y="2869572"/>
+            <a:ext cx="785664" cy="646331"/>
+          </a:xfrm>
+          <a:prstGeom prst="rect">
+            <a:avLst/>
+          </a:prstGeom>
+          <a:noFill/>
+          <a:ln w="28575">
+            <a:solidFill>
+              <a:srgbClr val="00B050"/>
+            </a:solidFill>
+          </a:ln>
+        </p:spPr>
+        <p:txBody>
+          <a:bodyPr wrap="none" rtlCol="0">
+            <a:spAutoFit/>
+          </a:bodyPr>
+          <a:lstStyle/>
+          <a:p>
+            <a:pPr algn="ctr"/>
+            <a:r>
+              <a:rPr lang="en-US" dirty="0"/>
+              <a:t>Server</a:t>
+            </a:r>
+          </a:p>
+          <a:p>
+            <a:pPr algn="ctr"/>
+            <a:r>
+              <a:rPr lang="en-US" dirty="0"/>
+              <a:t>Level</a:t>
+            </a:r>
+          </a:p>
+        </p:txBody>
+      </p:sp>
+      <p:sp>
+        <p:nvSpPr>
+          <p:cNvPr id="38" name="TextBox 37">
+            <a:extLst>
+              <a:ext uri="{FF2B5EF4-FFF2-40B4-BE49-F238E27FC236}">
+                <a16:creationId xmlns:a16="http://schemas.microsoft.com/office/drawing/2014/main" id="{F9805B42-8214-AF4F-996A-9C7DBDD43990}"/>
+              </a:ext>
+            </a:extLst>
+          </p:cNvPr>
+          <p:cNvSpPr txBox="1"/>
+          <p:nvPr/>
+        </p:nvSpPr>
+        <p:spPr>
+          <a:xfrm>
+            <a:off x="4609138" y="4017348"/>
+            <a:ext cx="666977" cy="646331"/>
+          </a:xfrm>
+          <a:prstGeom prst="rect">
+            <a:avLst/>
+          </a:prstGeom>
+          <a:noFill/>
+          <a:ln w="28575">
+            <a:solidFill>
+              <a:srgbClr val="00B050"/>
+            </a:solidFill>
+          </a:ln>
+        </p:spPr>
+        <p:txBody>
+          <a:bodyPr wrap="none" rtlCol="0">
+            <a:spAutoFit/>
+          </a:bodyPr>
+          <a:lstStyle/>
+          <a:p>
+            <a:pPr algn="ctr"/>
+            <a:r>
+              <a:rPr lang="en-US" dirty="0"/>
+              <a:t>Host</a:t>
+            </a:r>
+          </a:p>
+          <a:p>
+            <a:pPr algn="ctr"/>
+            <a:r>
+              <a:rPr lang="en-US" dirty="0"/>
+              <a:t>Level</a:t>
+            </a:r>
+          </a:p>
+        </p:txBody>
+      </p:sp>
+      <p:cxnSp>
+        <p:nvCxnSpPr>
+          <p:cNvPr id="39" name="Straight Connector 38">
+            <a:extLst>
+              <a:ext uri="{FF2B5EF4-FFF2-40B4-BE49-F238E27FC236}">
+                <a16:creationId xmlns:a16="http://schemas.microsoft.com/office/drawing/2014/main" id="{91E09E28-F989-7544-AE06-22A09A513F9C}"/>
+              </a:ext>
+            </a:extLst>
+          </p:cNvPr>
+          <p:cNvCxnSpPr>
+            <a:stCxn id="35" idx="2"/>
+            <a:endCxn id="36" idx="0"/>
+          </p:cNvCxnSpPr>
+          <p:nvPr/>
+        </p:nvCxnSpPr>
+        <p:spPr>
+          <a:xfrm>
+            <a:off x="4945870" y="1213964"/>
+            <a:ext cx="0" cy="507831"/>
+          </a:xfrm>
+          <a:prstGeom prst="line">
+            <a:avLst/>
+          </a:prstGeom>
+          <a:ln/>
+        </p:spPr>
+        <p:style>
+          <a:lnRef idx="3">
+            <a:schemeClr val="accent2"/>
+          </a:lnRef>
+          <a:fillRef idx="0">
+            <a:schemeClr val="accent2"/>
+          </a:fillRef>
+          <a:effectRef idx="2">
+            <a:schemeClr val="accent2"/>
+          </a:effectRef>
+          <a:fontRef idx="minor">
+            <a:schemeClr val="tx1"/>
+          </a:fontRef>
+        </p:style>
+      </p:cxnSp>
+      <p:cxnSp>
+        <p:nvCxnSpPr>
+          <p:cNvPr id="40" name="Straight Connector 39">
+            <a:extLst>
+              <a:ext uri="{FF2B5EF4-FFF2-40B4-BE49-F238E27FC236}">
+                <a16:creationId xmlns:a16="http://schemas.microsoft.com/office/drawing/2014/main" id="{A6856A07-0092-3442-BE4E-400582DB4B4B}"/>
+              </a:ext>
+            </a:extLst>
+          </p:cNvPr>
+          <p:cNvCxnSpPr>
+            <a:stCxn id="36" idx="2"/>
+            <a:endCxn id="37" idx="0"/>
+          </p:cNvCxnSpPr>
+          <p:nvPr/>
+        </p:nvCxnSpPr>
+        <p:spPr>
+          <a:xfrm>
+            <a:off x="4945870" y="2368126"/>
+            <a:ext cx="0" cy="501446"/>
+          </a:xfrm>
+          <a:prstGeom prst="line">
+            <a:avLst/>
+          </a:prstGeom>
+          <a:ln/>
+        </p:spPr>
+        <p:style>
+          <a:lnRef idx="3">
+            <a:schemeClr val="accent2"/>
+          </a:lnRef>
+          <a:fillRef idx="0">
+            <a:schemeClr val="accent2"/>
+          </a:fillRef>
+          <a:effectRef idx="2">
+            <a:schemeClr val="accent2"/>
+          </a:effectRef>
+          <a:fontRef idx="minor">
+            <a:schemeClr val="tx1"/>
+          </a:fontRef>
+        </p:style>
+      </p:cxnSp>
+      <p:cxnSp>
+        <p:nvCxnSpPr>
+          <p:cNvPr id="41" name="Straight Connector 40">
+            <a:extLst>
+              <a:ext uri="{FF2B5EF4-FFF2-40B4-BE49-F238E27FC236}">
+                <a16:creationId xmlns:a16="http://schemas.microsoft.com/office/drawing/2014/main" id="{23971A55-7A18-D84A-B24A-C8E7C91C878A}"/>
+              </a:ext>
+            </a:extLst>
+          </p:cNvPr>
+          <p:cNvCxnSpPr>
+            <a:stCxn id="37" idx="2"/>
+            <a:endCxn id="38" idx="0"/>
+          </p:cNvCxnSpPr>
+          <p:nvPr/>
+        </p:nvCxnSpPr>
+        <p:spPr>
+          <a:xfrm flipH="1">
+            <a:off x="4942627" y="3515903"/>
+            <a:ext cx="3243" cy="501445"/>
+          </a:xfrm>
+          <a:prstGeom prst="line">
+            <a:avLst/>
+          </a:prstGeom>
+          <a:ln/>
+        </p:spPr>
+        <p:style>
+          <a:lnRef idx="3">
+            <a:schemeClr val="accent2"/>
+          </a:lnRef>
+          <a:fillRef idx="0">
+            <a:schemeClr val="accent2"/>
+          </a:fillRef>
+          <a:effectRef idx="2">
+            <a:schemeClr val="accent2"/>
+          </a:effectRef>
+          <a:fontRef idx="minor">
+            <a:schemeClr val="tx1"/>
+          </a:fontRef>
+        </p:style>
+      </p:cxnSp>
+      <p:cxnSp>
+        <p:nvCxnSpPr>
+          <p:cNvPr id="44" name="Straight Connector 43">
+            <a:extLst>
+              <a:ext uri="{FF2B5EF4-FFF2-40B4-BE49-F238E27FC236}">
+                <a16:creationId xmlns:a16="http://schemas.microsoft.com/office/drawing/2014/main" id="{98AC0311-5073-2149-8BB4-2719CE9647B8}"/>
+              </a:ext>
+            </a:extLst>
+          </p:cNvPr>
+          <p:cNvCxnSpPr>
+            <a:stCxn id="4" idx="3"/>
+            <a:endCxn id="35" idx="1"/>
+          </p:cNvCxnSpPr>
+          <p:nvPr/>
+        </p:nvCxnSpPr>
+        <p:spPr>
+          <a:xfrm flipV="1">
+            <a:off x="2261069" y="1029298"/>
+            <a:ext cx="1920874" cy="6386"/>
+          </a:xfrm>
+          <a:prstGeom prst="line">
+            <a:avLst/>
+          </a:prstGeom>
+        </p:spPr>
+        <p:style>
+          <a:lnRef idx="1">
+            <a:schemeClr val="accent1"/>
+          </a:lnRef>
+          <a:fillRef idx="0">
+            <a:schemeClr val="accent1"/>
+          </a:fillRef>
+          <a:effectRef idx="0">
+            <a:schemeClr val="accent1"/>
+          </a:effectRef>
+          <a:fontRef idx="minor">
+            <a:schemeClr val="tx1"/>
+          </a:fontRef>
+        </p:style>
+      </p:cxnSp>
+      <p:sp>
+        <p:nvSpPr>
+          <p:cNvPr id="45" name="TextBox 44">
+            <a:extLst>
+              <a:ext uri="{FF2B5EF4-FFF2-40B4-BE49-F238E27FC236}">
+                <a16:creationId xmlns:a16="http://schemas.microsoft.com/office/drawing/2014/main" id="{AF473AF1-D8F2-AE41-B1E8-4E887BEC03A9}"/>
+              </a:ext>
+            </a:extLst>
+          </p:cNvPr>
+          <p:cNvSpPr txBox="1"/>
+          <p:nvPr/>
+        </p:nvSpPr>
+        <p:spPr>
+          <a:xfrm>
+            <a:off x="5761903" y="1857102"/>
+            <a:ext cx="659668" cy="369332"/>
+          </a:xfrm>
+          <a:prstGeom prst="rect">
+            <a:avLst/>
+          </a:prstGeom>
+          <a:noFill/>
+          <a:ln w="28575">
+            <a:solidFill>
+              <a:srgbClr val="FF0000"/>
+            </a:solidFill>
+          </a:ln>
+        </p:spPr>
+        <p:txBody>
+          <a:bodyPr wrap="none" rtlCol="0">
+            <a:spAutoFit/>
+          </a:bodyPr>
+          <a:lstStyle/>
+          <a:p>
+            <a:r>
+              <a:rPr lang="en-US" dirty="0"/>
+              <a:t>Attr1</a:t>
+            </a:r>
+          </a:p>
+        </p:txBody>
+      </p:sp>
+      <p:sp>
+        <p:nvSpPr>
+          <p:cNvPr id="46" name="TextBox 45">
+            <a:extLst>
+              <a:ext uri="{FF2B5EF4-FFF2-40B4-BE49-F238E27FC236}">
+                <a16:creationId xmlns:a16="http://schemas.microsoft.com/office/drawing/2014/main" id="{FCE30464-E903-C545-83DE-CE07A564F843}"/>
+              </a:ext>
+            </a:extLst>
+          </p:cNvPr>
+          <p:cNvSpPr txBox="1"/>
+          <p:nvPr/>
+        </p:nvSpPr>
+        <p:spPr>
+          <a:xfrm>
+            <a:off x="6704878" y="1857102"/>
+            <a:ext cx="659668" cy="369332"/>
+          </a:xfrm>
+          <a:prstGeom prst="rect">
+            <a:avLst/>
+          </a:prstGeom>
+          <a:noFill/>
+          <a:ln w="28575">
+            <a:solidFill>
+              <a:srgbClr val="FF0000"/>
+            </a:solidFill>
+          </a:ln>
+        </p:spPr>
+        <p:txBody>
+          <a:bodyPr wrap="none" rtlCol="0">
+            <a:spAutoFit/>
+          </a:bodyPr>
+          <a:lstStyle/>
+          <a:p>
+            <a:r>
+              <a:rPr lang="en-US" dirty="0"/>
+              <a:t>Attr2</a:t>
+            </a:r>
+          </a:p>
+        </p:txBody>
+      </p:sp>
+      <p:cxnSp>
+        <p:nvCxnSpPr>
+          <p:cNvPr id="47" name="Straight Connector 46">
+            <a:extLst>
+              <a:ext uri="{FF2B5EF4-FFF2-40B4-BE49-F238E27FC236}">
+                <a16:creationId xmlns:a16="http://schemas.microsoft.com/office/drawing/2014/main" id="{525BC51C-5F47-034A-8E2F-240345CC449C}"/>
+              </a:ext>
+            </a:extLst>
+          </p:cNvPr>
+          <p:cNvCxnSpPr>
+            <a:endCxn id="45" idx="1"/>
+          </p:cNvCxnSpPr>
+          <p:nvPr/>
+        </p:nvCxnSpPr>
+        <p:spPr>
+          <a:xfrm flipV="1">
+            <a:off x="5326036" y="2041768"/>
+            <a:ext cx="435867" cy="1"/>
+          </a:xfrm>
+          <a:prstGeom prst="line">
+            <a:avLst/>
+          </a:prstGeom>
+        </p:spPr>
+        <p:style>
+          <a:lnRef idx="3">
+            <a:schemeClr val="accent2"/>
+          </a:lnRef>
+          <a:fillRef idx="0">
+            <a:schemeClr val="accent2"/>
+          </a:fillRef>
+          <a:effectRef idx="2">
+            <a:schemeClr val="accent2"/>
+          </a:effectRef>
+          <a:fontRef idx="minor">
+            <a:schemeClr val="tx1"/>
+          </a:fontRef>
+        </p:style>
+      </p:cxnSp>
+      <p:cxnSp>
+        <p:nvCxnSpPr>
+          <p:cNvPr id="48" name="Straight Connector 47">
+            <a:extLst>
+              <a:ext uri="{FF2B5EF4-FFF2-40B4-BE49-F238E27FC236}">
+                <a16:creationId xmlns:a16="http://schemas.microsoft.com/office/drawing/2014/main" id="{F2EC85CB-9265-B644-B4BF-6BAA25EA1F4B}"/>
+              </a:ext>
+            </a:extLst>
+          </p:cNvPr>
+          <p:cNvCxnSpPr>
+            <a:stCxn id="45" idx="3"/>
+            <a:endCxn id="46" idx="1"/>
+          </p:cNvCxnSpPr>
+          <p:nvPr/>
+        </p:nvCxnSpPr>
+        <p:spPr>
+          <a:xfrm>
+            <a:off x="6421571" y="2041768"/>
+            <a:ext cx="283307" cy="0"/>
+          </a:xfrm>
+          <a:prstGeom prst="line">
+            <a:avLst/>
+          </a:prstGeom>
+        </p:spPr>
+        <p:style>
+          <a:lnRef idx="3">
+            <a:schemeClr val="accent2"/>
+          </a:lnRef>
+          <a:fillRef idx="0">
+            <a:schemeClr val="accent2"/>
+          </a:fillRef>
+          <a:effectRef idx="2">
+            <a:schemeClr val="accent2"/>
+          </a:effectRef>
+          <a:fontRef idx="minor">
+            <a:schemeClr val="tx1"/>
+          </a:fontRef>
+        </p:style>
+      </p:cxnSp>
+      <p:sp>
+        <p:nvSpPr>
+          <p:cNvPr id="49" name="TextBox 48">
+            <a:extLst>
+              <a:ext uri="{FF2B5EF4-FFF2-40B4-BE49-F238E27FC236}">
+                <a16:creationId xmlns:a16="http://schemas.microsoft.com/office/drawing/2014/main" id="{55A3E213-5EBD-4B43-BF74-D91EF20C980D}"/>
+              </a:ext>
+            </a:extLst>
+          </p:cNvPr>
+          <p:cNvSpPr txBox="1"/>
+          <p:nvPr/>
+        </p:nvSpPr>
+        <p:spPr>
+          <a:xfrm>
+            <a:off x="5784169" y="3005670"/>
+            <a:ext cx="659668" cy="369332"/>
+          </a:xfrm>
+          <a:prstGeom prst="rect">
+            <a:avLst/>
+          </a:prstGeom>
+          <a:noFill/>
+          <a:ln w="28575">
+            <a:solidFill>
+              <a:srgbClr val="FF0000"/>
+            </a:solidFill>
+          </a:ln>
+        </p:spPr>
+        <p:txBody>
+          <a:bodyPr wrap="none" rtlCol="0">
+            <a:spAutoFit/>
+          </a:bodyPr>
+          <a:lstStyle/>
+          <a:p>
+            <a:r>
+              <a:rPr lang="en-US" dirty="0"/>
+              <a:t>Attr1</a:t>
+            </a:r>
+          </a:p>
+        </p:txBody>
+      </p:sp>
+      <p:sp>
+        <p:nvSpPr>
+          <p:cNvPr id="50" name="TextBox 49">
+            <a:extLst>
+              <a:ext uri="{FF2B5EF4-FFF2-40B4-BE49-F238E27FC236}">
+                <a16:creationId xmlns:a16="http://schemas.microsoft.com/office/drawing/2014/main" id="{B70C4A57-7CBB-A441-8B7D-A26BAAA0A3E0}"/>
+              </a:ext>
+            </a:extLst>
+          </p:cNvPr>
+          <p:cNvSpPr txBox="1"/>
+          <p:nvPr/>
+        </p:nvSpPr>
+        <p:spPr>
+          <a:xfrm>
+            <a:off x="6727144" y="3005670"/>
+            <a:ext cx="659668" cy="369332"/>
+          </a:xfrm>
+          <a:prstGeom prst="rect">
+            <a:avLst/>
+          </a:prstGeom>
+          <a:noFill/>
+          <a:ln w="28575">
+            <a:solidFill>
+              <a:srgbClr val="FF0000"/>
+            </a:solidFill>
+          </a:ln>
+        </p:spPr>
+        <p:txBody>
+          <a:bodyPr wrap="none" rtlCol="0">
+            <a:spAutoFit/>
+          </a:bodyPr>
+          <a:lstStyle/>
+          <a:p>
+            <a:r>
+              <a:rPr lang="en-US" dirty="0"/>
+              <a:t>Attr2</a:t>
+            </a:r>
+          </a:p>
+        </p:txBody>
+      </p:sp>
+      <p:cxnSp>
+        <p:nvCxnSpPr>
+          <p:cNvPr id="51" name="Straight Connector 50">
+            <a:extLst>
+              <a:ext uri="{FF2B5EF4-FFF2-40B4-BE49-F238E27FC236}">
+                <a16:creationId xmlns:a16="http://schemas.microsoft.com/office/drawing/2014/main" id="{6B8003E7-7664-7A49-B93A-1DB1439CF0FA}"/>
+              </a:ext>
+            </a:extLst>
+          </p:cNvPr>
+          <p:cNvCxnSpPr>
+            <a:endCxn id="49" idx="1"/>
+          </p:cNvCxnSpPr>
+          <p:nvPr/>
+        </p:nvCxnSpPr>
+        <p:spPr>
+          <a:xfrm flipV="1">
+            <a:off x="5348302" y="3190336"/>
+            <a:ext cx="435867" cy="1"/>
+          </a:xfrm>
+          <a:prstGeom prst="line">
+            <a:avLst/>
+          </a:prstGeom>
+        </p:spPr>
+        <p:style>
+          <a:lnRef idx="3">
+            <a:schemeClr val="accent2"/>
+          </a:lnRef>
+          <a:fillRef idx="0">
+            <a:schemeClr val="accent2"/>
+          </a:fillRef>
+          <a:effectRef idx="2">
+            <a:schemeClr val="accent2"/>
+          </a:effectRef>
+          <a:fontRef idx="minor">
+            <a:schemeClr val="tx1"/>
+          </a:fontRef>
+        </p:style>
+      </p:cxnSp>
+      <p:cxnSp>
+        <p:nvCxnSpPr>
+          <p:cNvPr id="52" name="Straight Connector 51">
+            <a:extLst>
+              <a:ext uri="{FF2B5EF4-FFF2-40B4-BE49-F238E27FC236}">
+                <a16:creationId xmlns:a16="http://schemas.microsoft.com/office/drawing/2014/main" id="{04D1680B-D892-624E-A667-89157D437331}"/>
+              </a:ext>
+            </a:extLst>
+          </p:cNvPr>
+          <p:cNvCxnSpPr>
+            <a:stCxn id="49" idx="3"/>
+            <a:endCxn id="50" idx="1"/>
+          </p:cNvCxnSpPr>
+          <p:nvPr/>
+        </p:nvCxnSpPr>
+        <p:spPr>
+          <a:xfrm>
+            <a:off x="6443837" y="3190336"/>
+            <a:ext cx="283307" cy="0"/>
+          </a:xfrm>
+          <a:prstGeom prst="line">
+            <a:avLst/>
+          </a:prstGeom>
+        </p:spPr>
+        <p:style>
+          <a:lnRef idx="3">
+            <a:schemeClr val="accent2"/>
+          </a:lnRef>
+          <a:fillRef idx="0">
+            <a:schemeClr val="accent2"/>
+          </a:fillRef>
+          <a:effectRef idx="2">
+            <a:schemeClr val="accent2"/>
+          </a:effectRef>
+          <a:fontRef idx="minor">
+            <a:schemeClr val="tx1"/>
+          </a:fontRef>
+        </p:style>
+      </p:cxnSp>
+      <p:sp>
+        <p:nvSpPr>
+          <p:cNvPr id="53" name="TextBox 52">
+            <a:extLst>
+              <a:ext uri="{FF2B5EF4-FFF2-40B4-BE49-F238E27FC236}">
+                <a16:creationId xmlns:a16="http://schemas.microsoft.com/office/drawing/2014/main" id="{C1F7D1A3-EDCB-6D4C-AFA5-2968C268A0F4}"/>
+              </a:ext>
+            </a:extLst>
+          </p:cNvPr>
+          <p:cNvSpPr txBox="1"/>
+          <p:nvPr/>
+        </p:nvSpPr>
+        <p:spPr>
+          <a:xfrm>
+            <a:off x="5704753" y="4155921"/>
+            <a:ext cx="659668" cy="369332"/>
+          </a:xfrm>
+          <a:prstGeom prst="rect">
+            <a:avLst/>
+          </a:prstGeom>
+          <a:noFill/>
+          <a:ln w="28575">
+            <a:solidFill>
+              <a:srgbClr val="FF0000"/>
+            </a:solidFill>
+          </a:ln>
+        </p:spPr>
+        <p:txBody>
+          <a:bodyPr wrap="none" rtlCol="0">
+            <a:spAutoFit/>
+          </a:bodyPr>
+          <a:lstStyle/>
+          <a:p>
+            <a:r>
+              <a:rPr lang="en-US" dirty="0"/>
+              <a:t>Attr1</a:t>
+            </a:r>
+          </a:p>
+        </p:txBody>
+      </p:sp>
+      <p:sp>
+        <p:nvSpPr>
+          <p:cNvPr id="54" name="TextBox 53">
+            <a:extLst>
+              <a:ext uri="{FF2B5EF4-FFF2-40B4-BE49-F238E27FC236}">
+                <a16:creationId xmlns:a16="http://schemas.microsoft.com/office/drawing/2014/main" id="{68505CE1-2C8F-9B40-98DF-FD9D50FECDB1}"/>
+              </a:ext>
+            </a:extLst>
+          </p:cNvPr>
+          <p:cNvSpPr txBox="1"/>
+          <p:nvPr/>
+        </p:nvSpPr>
+        <p:spPr>
+          <a:xfrm>
+            <a:off x="6647728" y="4155921"/>
+            <a:ext cx="659668" cy="369332"/>
+          </a:xfrm>
+          <a:prstGeom prst="rect">
+            <a:avLst/>
+          </a:prstGeom>
+          <a:noFill/>
+          <a:ln w="28575">
+            <a:solidFill>
+              <a:srgbClr val="FF0000"/>
+            </a:solidFill>
+          </a:ln>
+        </p:spPr>
+        <p:txBody>
+          <a:bodyPr wrap="none" rtlCol="0">
+            <a:spAutoFit/>
+          </a:bodyPr>
+          <a:lstStyle/>
+          <a:p>
+            <a:r>
+              <a:rPr lang="en-US" dirty="0"/>
+              <a:t>Attr2</a:t>
+            </a:r>
+          </a:p>
+        </p:txBody>
+      </p:sp>
+      <p:cxnSp>
+        <p:nvCxnSpPr>
+          <p:cNvPr id="55" name="Straight Connector 54">
+            <a:extLst>
+              <a:ext uri="{FF2B5EF4-FFF2-40B4-BE49-F238E27FC236}">
+                <a16:creationId xmlns:a16="http://schemas.microsoft.com/office/drawing/2014/main" id="{10006350-CB13-114C-90E4-FD5D485E50FB}"/>
+              </a:ext>
+            </a:extLst>
+          </p:cNvPr>
+          <p:cNvCxnSpPr>
+            <a:endCxn id="53" idx="1"/>
+          </p:cNvCxnSpPr>
+          <p:nvPr/>
+        </p:nvCxnSpPr>
+        <p:spPr>
+          <a:xfrm flipV="1">
+            <a:off x="5268886" y="4340587"/>
+            <a:ext cx="435867" cy="1"/>
+          </a:xfrm>
+          <a:prstGeom prst="line">
+            <a:avLst/>
+          </a:prstGeom>
+        </p:spPr>
+        <p:style>
+          <a:lnRef idx="3">
+            <a:schemeClr val="accent2"/>
+          </a:lnRef>
+          <a:fillRef idx="0">
+            <a:schemeClr val="accent2"/>
+          </a:fillRef>
+          <a:effectRef idx="2">
+            <a:schemeClr val="accent2"/>
+          </a:effectRef>
+          <a:fontRef idx="minor">
+            <a:schemeClr val="tx1"/>
+          </a:fontRef>
+        </p:style>
+      </p:cxnSp>
+      <p:cxnSp>
+        <p:nvCxnSpPr>
+          <p:cNvPr id="56" name="Straight Connector 55">
+            <a:extLst>
+              <a:ext uri="{FF2B5EF4-FFF2-40B4-BE49-F238E27FC236}">
+                <a16:creationId xmlns:a16="http://schemas.microsoft.com/office/drawing/2014/main" id="{87295BBC-AEF5-A84B-A1C7-CFB26462E999}"/>
+              </a:ext>
+            </a:extLst>
+          </p:cNvPr>
+          <p:cNvCxnSpPr>
+            <a:stCxn id="53" idx="3"/>
+            <a:endCxn id="54" idx="1"/>
+          </p:cNvCxnSpPr>
+          <p:nvPr/>
+        </p:nvCxnSpPr>
+        <p:spPr>
+          <a:xfrm>
+            <a:off x="6364421" y="4340587"/>
+            <a:ext cx="283307" cy="0"/>
+          </a:xfrm>
+          <a:prstGeom prst="line">
+            <a:avLst/>
+          </a:prstGeom>
+        </p:spPr>
+        <p:style>
+          <a:lnRef idx="3">
+            <a:schemeClr val="accent2"/>
+          </a:lnRef>
+          <a:fillRef idx="0">
+            <a:schemeClr val="accent2"/>
+          </a:fillRef>
+          <a:effectRef idx="2">
+            <a:schemeClr val="accent2"/>
+          </a:effectRef>
+          <a:fontRef idx="minor">
+            <a:schemeClr val="tx1"/>
+          </a:fontRef>
+        </p:style>
+      </p:cxnSp>
+      <p:sp>
+        <p:nvSpPr>
+          <p:cNvPr id="57" name="TextBox 56">
+            <a:extLst>
+              <a:ext uri="{FF2B5EF4-FFF2-40B4-BE49-F238E27FC236}">
+                <a16:creationId xmlns:a16="http://schemas.microsoft.com/office/drawing/2014/main" id="{CCDCCD55-8CB9-4042-ABA9-D2BD33390679}"/>
+              </a:ext>
+            </a:extLst>
+          </p:cNvPr>
+          <p:cNvSpPr txBox="1"/>
+          <p:nvPr/>
+        </p:nvSpPr>
+        <p:spPr>
+          <a:xfrm>
+            <a:off x="7590703" y="4155921"/>
+            <a:ext cx="659668" cy="369332"/>
+          </a:xfrm>
+          <a:prstGeom prst="rect">
+            <a:avLst/>
+          </a:prstGeom>
+          <a:noFill/>
+          <a:ln w="28575">
+            <a:solidFill>
+              <a:srgbClr val="FF0000"/>
+            </a:solidFill>
+          </a:ln>
+        </p:spPr>
+        <p:txBody>
+          <a:bodyPr wrap="none" rtlCol="0">
+            <a:spAutoFit/>
+          </a:bodyPr>
+          <a:lstStyle/>
+          <a:p>
+            <a:r>
+              <a:rPr lang="en-US" dirty="0"/>
+              <a:t>Attr3</a:t>
+            </a:r>
+          </a:p>
+        </p:txBody>
+      </p:sp>
+      <p:sp>
+        <p:nvSpPr>
+          <p:cNvPr id="58" name="TextBox 57">
+            <a:extLst>
+              <a:ext uri="{FF2B5EF4-FFF2-40B4-BE49-F238E27FC236}">
+                <a16:creationId xmlns:a16="http://schemas.microsoft.com/office/drawing/2014/main" id="{481F43BC-3D92-094B-93EC-D494532983BC}"/>
+              </a:ext>
+            </a:extLst>
+          </p:cNvPr>
+          <p:cNvSpPr txBox="1"/>
+          <p:nvPr/>
+        </p:nvSpPr>
+        <p:spPr>
+          <a:xfrm>
+            <a:off x="8535399" y="4155847"/>
+            <a:ext cx="659668" cy="369332"/>
+          </a:xfrm>
+          <a:prstGeom prst="rect">
+            <a:avLst/>
+          </a:prstGeom>
+          <a:noFill/>
+          <a:ln w="28575">
+            <a:solidFill>
+              <a:srgbClr val="FF0000"/>
+            </a:solidFill>
+          </a:ln>
+        </p:spPr>
+        <p:txBody>
+          <a:bodyPr wrap="none" rtlCol="0">
+            <a:spAutoFit/>
+          </a:bodyPr>
+          <a:lstStyle/>
+          <a:p>
+            <a:r>
+              <a:rPr lang="en-US" dirty="0"/>
+              <a:t>Attr4</a:t>
+            </a:r>
+          </a:p>
+        </p:txBody>
+      </p:sp>
+      <p:cxnSp>
+        <p:nvCxnSpPr>
+          <p:cNvPr id="60" name="Straight Connector 59">
+            <a:extLst>
+              <a:ext uri="{FF2B5EF4-FFF2-40B4-BE49-F238E27FC236}">
+                <a16:creationId xmlns:a16="http://schemas.microsoft.com/office/drawing/2014/main" id="{BAD39BA5-76E4-934A-B7C7-E4EF9F476ABA}"/>
+              </a:ext>
+            </a:extLst>
+          </p:cNvPr>
+          <p:cNvCxnSpPr>
+            <a:stCxn id="54" idx="3"/>
+            <a:endCxn id="57" idx="1"/>
+          </p:cNvCxnSpPr>
+          <p:nvPr/>
+        </p:nvCxnSpPr>
+        <p:spPr>
+          <a:xfrm>
+            <a:off x="7307396" y="4340587"/>
+            <a:ext cx="283307" cy="0"/>
+          </a:xfrm>
+          <a:prstGeom prst="line">
+            <a:avLst/>
+          </a:prstGeom>
+        </p:spPr>
+        <p:style>
+          <a:lnRef idx="3">
+            <a:schemeClr val="accent2"/>
+          </a:lnRef>
+          <a:fillRef idx="0">
+            <a:schemeClr val="accent2"/>
+          </a:fillRef>
+          <a:effectRef idx="2">
+            <a:schemeClr val="accent2"/>
+          </a:effectRef>
+          <a:fontRef idx="minor">
+            <a:schemeClr val="tx1"/>
+          </a:fontRef>
+        </p:style>
+      </p:cxnSp>
+      <p:cxnSp>
+        <p:nvCxnSpPr>
+          <p:cNvPr id="62" name="Straight Connector 61">
+            <a:extLst>
+              <a:ext uri="{FF2B5EF4-FFF2-40B4-BE49-F238E27FC236}">
+                <a16:creationId xmlns:a16="http://schemas.microsoft.com/office/drawing/2014/main" id="{CFD2E665-5478-734B-A5D9-A1890690EEB3}"/>
+              </a:ext>
+            </a:extLst>
+          </p:cNvPr>
+          <p:cNvCxnSpPr>
+            <a:stCxn id="57" idx="3"/>
+            <a:endCxn id="58" idx="1"/>
+          </p:cNvCxnSpPr>
+          <p:nvPr/>
+        </p:nvCxnSpPr>
+        <p:spPr>
+          <a:xfrm flipV="1">
+            <a:off x="8250371" y="4340513"/>
+            <a:ext cx="285028" cy="74"/>
+          </a:xfrm>
+          <a:prstGeom prst="line">
+            <a:avLst/>
+          </a:prstGeom>
+        </p:spPr>
+        <p:style>
+          <a:lnRef idx="3">
+            <a:schemeClr val="accent2"/>
+          </a:lnRef>
+          <a:fillRef idx="0">
+            <a:schemeClr val="accent2"/>
+          </a:fillRef>
+          <a:effectRef idx="2">
+            <a:schemeClr val="accent2"/>
+          </a:effectRef>
+          <a:fontRef idx="minor">
+            <a:schemeClr val="tx1"/>
+          </a:fontRef>
+        </p:style>
+      </p:cxnSp>
+    </p:spTree>
+    <p:extLst>
+      <p:ext uri="{BB962C8B-B14F-4D97-AF65-F5344CB8AC3E}">
+        <p14:creationId xmlns:p14="http://schemas.microsoft.com/office/powerpoint/2010/main" val="3036110764"/>
+      </p:ext>
+    </p:extLst>
+  </p:cSld>
+  <p:clrMapOvr>
+    <a:masterClrMapping/>
+  </p:clrMapOvr>
+</p:sld>
+</file>
+
 <file path=ppt/theme/theme1.xml><?xml version="1.0" encoding="utf-8"?>
 <a:theme xmlns:a="http://schemas.openxmlformats.org/drawingml/2006/main" name="Office Theme">
   <a:themeElements>

--- a/figs/drawings.pptx
+++ b/figs/drawings.pptx
@@ -264,7 +264,7 @@
           <a:p>
             <a:fld id="{4597F392-DBDF-6842-8400-5A8310564639}" type="datetimeFigureOut">
               <a:rPr lang="en-US" smtClean="0"/>
-              <a:t>1/25/19</a:t>
+              <a:t>7/4/20</a:t>
             </a:fld>
             <a:endParaRPr lang="en-US" dirty="0"/>
           </a:p>
@@ -462,7 +462,7 @@
           <a:p>
             <a:fld id="{4597F392-DBDF-6842-8400-5A8310564639}" type="datetimeFigureOut">
               <a:rPr lang="en-US" smtClean="0"/>
-              <a:t>1/25/19</a:t>
+              <a:t>7/4/20</a:t>
             </a:fld>
             <a:endParaRPr lang="en-US" dirty="0"/>
           </a:p>
@@ -670,7 +670,7 @@
           <a:p>
             <a:fld id="{4597F392-DBDF-6842-8400-5A8310564639}" type="datetimeFigureOut">
               <a:rPr lang="en-US" smtClean="0"/>
-              <a:t>1/25/19</a:t>
+              <a:t>7/4/20</a:t>
             </a:fld>
             <a:endParaRPr lang="en-US" dirty="0"/>
           </a:p>
@@ -868,7 +868,7 @@
           <a:p>
             <a:fld id="{4597F392-DBDF-6842-8400-5A8310564639}" type="datetimeFigureOut">
               <a:rPr lang="en-US" smtClean="0"/>
-              <a:t>1/25/19</a:t>
+              <a:t>7/4/20</a:t>
             </a:fld>
             <a:endParaRPr lang="en-US" dirty="0"/>
           </a:p>
@@ -1143,7 +1143,7 @@
           <a:p>
             <a:fld id="{4597F392-DBDF-6842-8400-5A8310564639}" type="datetimeFigureOut">
               <a:rPr lang="en-US" smtClean="0"/>
-              <a:t>1/25/19</a:t>
+              <a:t>7/4/20</a:t>
             </a:fld>
             <a:endParaRPr lang="en-US" dirty="0"/>
           </a:p>
@@ -1408,7 +1408,7 @@
           <a:p>
             <a:fld id="{4597F392-DBDF-6842-8400-5A8310564639}" type="datetimeFigureOut">
               <a:rPr lang="en-US" smtClean="0"/>
-              <a:t>1/25/19</a:t>
+              <a:t>7/4/20</a:t>
             </a:fld>
             <a:endParaRPr lang="en-US" dirty="0"/>
           </a:p>
@@ -1820,7 +1820,7 @@
           <a:p>
             <a:fld id="{4597F392-DBDF-6842-8400-5A8310564639}" type="datetimeFigureOut">
               <a:rPr lang="en-US" smtClean="0"/>
-              <a:t>1/25/19</a:t>
+              <a:t>7/4/20</a:t>
             </a:fld>
             <a:endParaRPr lang="en-US" dirty="0"/>
           </a:p>
@@ -1961,7 +1961,7 @@
           <a:p>
             <a:fld id="{4597F392-DBDF-6842-8400-5A8310564639}" type="datetimeFigureOut">
               <a:rPr lang="en-US" smtClean="0"/>
-              <a:t>1/25/19</a:t>
+              <a:t>7/4/20</a:t>
             </a:fld>
             <a:endParaRPr lang="en-US" dirty="0"/>
           </a:p>
@@ -2074,7 +2074,7 @@
           <a:p>
             <a:fld id="{4597F392-DBDF-6842-8400-5A8310564639}" type="datetimeFigureOut">
               <a:rPr lang="en-US" smtClean="0"/>
-              <a:t>1/25/19</a:t>
+              <a:t>7/4/20</a:t>
             </a:fld>
             <a:endParaRPr lang="en-US" dirty="0"/>
           </a:p>
@@ -2385,7 +2385,7 @@
           <a:p>
             <a:fld id="{4597F392-DBDF-6842-8400-5A8310564639}" type="datetimeFigureOut">
               <a:rPr lang="en-US" smtClean="0"/>
-              <a:t>1/25/19</a:t>
+              <a:t>7/4/20</a:t>
             </a:fld>
             <a:endParaRPr lang="en-US" dirty="0"/>
           </a:p>
@@ -2673,7 +2673,7 @@
           <a:p>
             <a:fld id="{4597F392-DBDF-6842-8400-5A8310564639}" type="datetimeFigureOut">
               <a:rPr lang="en-US" smtClean="0"/>
-              <a:t>1/25/19</a:t>
+              <a:t>7/4/20</a:t>
             </a:fld>
             <a:endParaRPr lang="en-US" dirty="0"/>
           </a:p>
@@ -2914,7 +2914,7 @@
           <a:p>
             <a:fld id="{4597F392-DBDF-6842-8400-5A8310564639}" type="datetimeFigureOut">
               <a:rPr lang="en-US" smtClean="0"/>
-              <a:t>1/25/19</a:t>
+              <a:t>7/4/20</a:t>
             </a:fld>
             <a:endParaRPr lang="en-US" dirty="0"/>
           </a:p>
@@ -4812,7 +4812,7 @@
             <a:pPr algn="ctr"/>
             <a:r>
               <a:rPr lang="en-US" dirty="0"/>
-              <a:t>data</a:t>
+              <a:t>info</a:t>
             </a:r>
           </a:p>
         </p:txBody>
@@ -5163,7 +5163,7 @@
             <a:pPr algn="ctr"/>
             <a:r>
               <a:rPr lang="en-US" dirty="0"/>
-              <a:t>data</a:t>
+              <a:t>info</a:t>
             </a:r>
           </a:p>
         </p:txBody>
@@ -6881,10 +6881,10 @@
       </p:grpSpPr>
       <p:pic>
         <p:nvPicPr>
-          <p:cNvPr id="4" name="Picture 3">
-            <a:extLst>
-              <a:ext uri="{FF2B5EF4-FFF2-40B4-BE49-F238E27FC236}">
-                <a16:creationId xmlns:a16="http://schemas.microsoft.com/office/drawing/2014/main" id="{5110F769-AD01-CB40-8BE9-C3CE95591BD8}"/>
+          <p:cNvPr id="2" name="Picture 1">
+            <a:extLst>
+              <a:ext uri="{FF2B5EF4-FFF2-40B4-BE49-F238E27FC236}">
+                <a16:creationId xmlns:a16="http://schemas.microsoft.com/office/drawing/2014/main" id="{E9B78EEE-2DEF-6444-87E4-C677C83B80B4}"/>
               </a:ext>
             </a:extLst>
           </p:cNvPr>
@@ -6901,8 +6901,8 @@
         </p:blipFill>
         <p:spPr>
           <a:xfrm>
-            <a:off x="2165350" y="450850"/>
-            <a:ext cx="7861300" cy="5956300"/>
+            <a:off x="1911714" y="118267"/>
+            <a:ext cx="8662253" cy="6621466"/>
           </a:xfrm>
           <a:prstGeom prst="rect">
             <a:avLst/>
@@ -6941,10 +6941,10 @@
       </p:grpSpPr>
       <p:pic>
         <p:nvPicPr>
-          <p:cNvPr id="3" name="Picture 2">
-            <a:extLst>
-              <a:ext uri="{FF2B5EF4-FFF2-40B4-BE49-F238E27FC236}">
-                <a16:creationId xmlns:a16="http://schemas.microsoft.com/office/drawing/2014/main" id="{32F6E2A8-036B-1543-8D46-C06D7943EFB3}"/>
+          <p:cNvPr id="2" name="Picture 1">
+            <a:extLst>
+              <a:ext uri="{FF2B5EF4-FFF2-40B4-BE49-F238E27FC236}">
+                <a16:creationId xmlns:a16="http://schemas.microsoft.com/office/drawing/2014/main" id="{2387BF6A-4ADC-B14B-9915-541F1A929C59}"/>
               </a:ext>
             </a:extLst>
           </p:cNvPr>
@@ -6961,8 +6961,8 @@
         </p:blipFill>
         <p:spPr>
           <a:xfrm>
-            <a:off x="2705100" y="450850"/>
-            <a:ext cx="6781800" cy="5956300"/>
+            <a:off x="2599664" y="430725"/>
+            <a:ext cx="6709706" cy="5996549"/>
           </a:xfrm>
           <a:prstGeom prst="rect">
             <a:avLst/>
